--- a/GameDev1.pptx
+++ b/GameDev1.pptx
@@ -4,19 +4,21 @@
   <p:sldMasterIdLst>
     <p:sldMasterId id="2147483929" r:id="rId1"/>
   </p:sldMasterIdLst>
+  <p:notesMasterIdLst>
+    <p:notesMasterId r:id="rId10"/>
+  </p:notesMasterIdLst>
   <p:handoutMasterIdLst>
     <p:handoutMasterId r:id="rId11"/>
   </p:handoutMasterIdLst>
   <p:sldIdLst>
     <p:sldId id="256" r:id="rId2"/>
     <p:sldId id="257" r:id="rId3"/>
-    <p:sldId id="264" r:id="rId4"/>
-    <p:sldId id="265" r:id="rId5"/>
-    <p:sldId id="258" r:id="rId6"/>
+    <p:sldId id="258" r:id="rId4"/>
+    <p:sldId id="264" r:id="rId5"/>
+    <p:sldId id="259" r:id="rId6"/>
     <p:sldId id="263" r:id="rId7"/>
-    <p:sldId id="259" r:id="rId8"/>
-    <p:sldId id="261" r:id="rId9"/>
-    <p:sldId id="260" r:id="rId10"/>
+    <p:sldId id="261" r:id="rId8"/>
+    <p:sldId id="260" r:id="rId9"/>
   </p:sldIdLst>
   <p:sldSz cx="12192000" cy="6858000"/>
   <p:notesSz cx="6858000" cy="9144000"/>
@@ -119,6 +121,9 @@
     <p:ext uri="{EFAFB233-063F-42B5-8137-9DF3F51BA10A}">
       <p15:sldGuideLst xmlns:p15="http://schemas.microsoft.com/office/powerpoint/2012/main"/>
     </p:ext>
+    <p:ext uri="{2D200454-40CA-4A62-9FC3-DE9A4176ACB9}">
+      <p15:notesGuideLst xmlns:p15="http://schemas.microsoft.com/office/powerpoint/2012/main"/>
+    </p:ext>
   </p:extLst>
 </p:presentation>
 </file>
@@ -205,7 +210,7 @@
           <a:p>
             <a:fld id="{7BBD8DD7-C76C-42A3-96C4-9B1F9E256F75}" type="datetimeFigureOut">
               <a:rPr lang="en-GB" smtClean="0"/>
-              <a:t>24/06/2018</a:t>
+              <a:t>22/08/2018</a:t>
             </a:fld>
             <a:endParaRPr lang="en-GB"/>
           </a:p>
@@ -286,6 +291,440 @@
   </p:cSld>
   <p:clrMap bg1="lt1" tx1="dk1" bg2="lt2" tx2="dk2" accent1="accent1" accent2="accent2" accent3="accent3" accent4="accent4" accent5="accent5" accent6="accent6" hlink="hlink" folHlink="folHlink"/>
 </p:handoutMaster>
+</file>
+
+<file path=ppt/notesMasters/notesMaster1.xml><?xml version="1.0" encoding="utf-8"?>
+<p:notesMaster xmlns:a="http://schemas.openxmlformats.org/drawingml/2006/main" xmlns:r="http://schemas.openxmlformats.org/officeDocument/2006/relationships" xmlns:p="http://schemas.openxmlformats.org/presentationml/2006/main">
+  <p:cSld>
+    <p:bg>
+      <p:bgRef idx="1001">
+        <a:schemeClr val="bg1"/>
+      </p:bgRef>
+    </p:bg>
+    <p:spTree>
+      <p:nvGrpSpPr>
+        <p:cNvPr id="1" name=""/>
+        <p:cNvGrpSpPr/>
+        <p:nvPr/>
+      </p:nvGrpSpPr>
+      <p:grpSpPr>
+        <a:xfrm>
+          <a:off x="0" y="0"/>
+          <a:ext cx="0" cy="0"/>
+          <a:chOff x="0" y="0"/>
+          <a:chExt cx="0" cy="0"/>
+        </a:xfrm>
+      </p:grpSpPr>
+      <p:sp>
+        <p:nvSpPr>
+          <p:cNvPr id="2" name="Header Placeholder 1"/>
+          <p:cNvSpPr>
+            <a:spLocks noGrp="1"/>
+          </p:cNvSpPr>
+          <p:nvPr>
+            <p:ph type="hdr" sz="quarter"/>
+          </p:nvPr>
+        </p:nvSpPr>
+        <p:spPr>
+          <a:xfrm>
+            <a:off x="0" y="0"/>
+            <a:ext cx="2971800" cy="458788"/>
+          </a:xfrm>
+          <a:prstGeom prst="rect">
+            <a:avLst/>
+          </a:prstGeom>
+        </p:spPr>
+        <p:txBody>
+          <a:bodyPr vert="horz" lIns="91440" tIns="45720" rIns="91440" bIns="45720" rtlCol="0"/>
+          <a:lstStyle>
+            <a:lvl1pPr algn="l">
+              <a:defRPr sz="1200"/>
+            </a:lvl1pPr>
+          </a:lstStyle>
+          <a:p>
+            <a:endParaRPr lang="en-GB"/>
+          </a:p>
+        </p:txBody>
+      </p:sp>
+      <p:sp>
+        <p:nvSpPr>
+          <p:cNvPr id="3" name="Date Placeholder 2"/>
+          <p:cNvSpPr>
+            <a:spLocks noGrp="1"/>
+          </p:cNvSpPr>
+          <p:nvPr>
+            <p:ph type="dt" idx="1"/>
+          </p:nvPr>
+        </p:nvSpPr>
+        <p:spPr>
+          <a:xfrm>
+            <a:off x="3884613" y="0"/>
+            <a:ext cx="2971800" cy="458788"/>
+          </a:xfrm>
+          <a:prstGeom prst="rect">
+            <a:avLst/>
+          </a:prstGeom>
+        </p:spPr>
+        <p:txBody>
+          <a:bodyPr vert="horz" lIns="91440" tIns="45720" rIns="91440" bIns="45720" rtlCol="0"/>
+          <a:lstStyle>
+            <a:lvl1pPr algn="r">
+              <a:defRPr sz="1200"/>
+            </a:lvl1pPr>
+          </a:lstStyle>
+          <a:p>
+            <a:fld id="{7A1A8FC5-2795-407F-81E9-959CE6687570}" type="datetimeFigureOut">
+              <a:rPr lang="en-GB" smtClean="0"/>
+              <a:t>22/08/2018</a:t>
+            </a:fld>
+            <a:endParaRPr lang="en-GB"/>
+          </a:p>
+        </p:txBody>
+      </p:sp>
+      <p:sp>
+        <p:nvSpPr>
+          <p:cNvPr id="4" name="Slide Image Placeholder 3"/>
+          <p:cNvSpPr>
+            <a:spLocks noGrp="1" noRot="1" noChangeAspect="1"/>
+          </p:cNvSpPr>
+          <p:nvPr>
+            <p:ph type="sldImg" idx="2"/>
+          </p:nvPr>
+        </p:nvSpPr>
+        <p:spPr>
+          <a:xfrm>
+            <a:off x="685800" y="1143000"/>
+            <a:ext cx="5486400" cy="3086100"/>
+          </a:xfrm>
+          <a:prstGeom prst="rect">
+            <a:avLst/>
+          </a:prstGeom>
+          <a:noFill/>
+          <a:ln w="12700">
+            <a:solidFill>
+              <a:prstClr val="black"/>
+            </a:solidFill>
+          </a:ln>
+        </p:spPr>
+        <p:txBody>
+          <a:bodyPr vert="horz" lIns="91440" tIns="45720" rIns="91440" bIns="45720" rtlCol="0" anchor="ctr"/>
+          <a:lstStyle/>
+          <a:p>
+            <a:endParaRPr lang="en-GB"/>
+          </a:p>
+        </p:txBody>
+      </p:sp>
+      <p:sp>
+        <p:nvSpPr>
+          <p:cNvPr id="5" name="Notes Placeholder 4"/>
+          <p:cNvSpPr>
+            <a:spLocks noGrp="1"/>
+          </p:cNvSpPr>
+          <p:nvPr>
+            <p:ph type="body" sz="quarter" idx="3"/>
+          </p:nvPr>
+        </p:nvSpPr>
+        <p:spPr>
+          <a:xfrm>
+            <a:off x="685800" y="4400550"/>
+            <a:ext cx="5486400" cy="3600450"/>
+          </a:xfrm>
+          <a:prstGeom prst="rect">
+            <a:avLst/>
+          </a:prstGeom>
+        </p:spPr>
+        <p:txBody>
+          <a:bodyPr vert="horz" lIns="91440" tIns="45720" rIns="91440" bIns="45720" rtlCol="0"/>
+          <a:lstStyle/>
+          <a:p>
+            <a:pPr lvl="0"/>
+            <a:r>
+              <a:rPr lang="en-US"/>
+              <a:t>Edit Master text styles</a:t>
+            </a:r>
+          </a:p>
+          <a:p>
+            <a:pPr lvl="1"/>
+            <a:r>
+              <a:rPr lang="en-US"/>
+              <a:t>Second level</a:t>
+            </a:r>
+          </a:p>
+          <a:p>
+            <a:pPr lvl="2"/>
+            <a:r>
+              <a:rPr lang="en-US"/>
+              <a:t>Third level</a:t>
+            </a:r>
+          </a:p>
+          <a:p>
+            <a:pPr lvl="3"/>
+            <a:r>
+              <a:rPr lang="en-US"/>
+              <a:t>Fourth level</a:t>
+            </a:r>
+          </a:p>
+          <a:p>
+            <a:pPr lvl="4"/>
+            <a:r>
+              <a:rPr lang="en-US"/>
+              <a:t>Fifth level</a:t>
+            </a:r>
+            <a:endParaRPr lang="en-GB"/>
+          </a:p>
+        </p:txBody>
+      </p:sp>
+      <p:sp>
+        <p:nvSpPr>
+          <p:cNvPr id="6" name="Footer Placeholder 5"/>
+          <p:cNvSpPr>
+            <a:spLocks noGrp="1"/>
+          </p:cNvSpPr>
+          <p:nvPr>
+            <p:ph type="ftr" sz="quarter" idx="4"/>
+          </p:nvPr>
+        </p:nvSpPr>
+        <p:spPr>
+          <a:xfrm>
+            <a:off x="0" y="8685213"/>
+            <a:ext cx="2971800" cy="458787"/>
+          </a:xfrm>
+          <a:prstGeom prst="rect">
+            <a:avLst/>
+          </a:prstGeom>
+        </p:spPr>
+        <p:txBody>
+          <a:bodyPr vert="horz" lIns="91440" tIns="45720" rIns="91440" bIns="45720" rtlCol="0" anchor="b"/>
+          <a:lstStyle>
+            <a:lvl1pPr algn="l">
+              <a:defRPr sz="1200"/>
+            </a:lvl1pPr>
+          </a:lstStyle>
+          <a:p>
+            <a:endParaRPr lang="en-GB"/>
+          </a:p>
+        </p:txBody>
+      </p:sp>
+      <p:sp>
+        <p:nvSpPr>
+          <p:cNvPr id="7" name="Slide Number Placeholder 6"/>
+          <p:cNvSpPr>
+            <a:spLocks noGrp="1"/>
+          </p:cNvSpPr>
+          <p:nvPr>
+            <p:ph type="sldNum" sz="quarter" idx="5"/>
+          </p:nvPr>
+        </p:nvSpPr>
+        <p:spPr>
+          <a:xfrm>
+            <a:off x="3884613" y="8685213"/>
+            <a:ext cx="2971800" cy="458787"/>
+          </a:xfrm>
+          <a:prstGeom prst="rect">
+            <a:avLst/>
+          </a:prstGeom>
+        </p:spPr>
+        <p:txBody>
+          <a:bodyPr vert="horz" lIns="91440" tIns="45720" rIns="91440" bIns="45720" rtlCol="0" anchor="b"/>
+          <a:lstStyle>
+            <a:lvl1pPr algn="r">
+              <a:defRPr sz="1200"/>
+            </a:lvl1pPr>
+          </a:lstStyle>
+          <a:p>
+            <a:fld id="{248A8C8B-13AA-4D78-991A-A83593F114E5}" type="slidenum">
+              <a:rPr lang="en-GB" smtClean="0"/>
+              <a:t>‹#›</a:t>
+            </a:fld>
+            <a:endParaRPr lang="en-GB"/>
+          </a:p>
+        </p:txBody>
+      </p:sp>
+    </p:spTree>
+    <p:extLst>
+      <p:ext uri="{BB962C8B-B14F-4D97-AF65-F5344CB8AC3E}">
+        <p14:creationId xmlns:p14="http://schemas.microsoft.com/office/powerpoint/2010/main" val="249430884"/>
+      </p:ext>
+    </p:extLst>
+  </p:cSld>
+  <p:clrMap bg1="lt1" tx1="dk1" bg2="lt2" tx2="dk2" accent1="accent1" accent2="accent2" accent3="accent3" accent4="accent4" accent5="accent5" accent6="accent6" hlink="hlink" folHlink="folHlink"/>
+  <p:notesStyle>
+    <a:lvl1pPr marL="0" algn="l" defTabSz="914400" rtl="0" eaLnBrk="1" latinLnBrk="0" hangingPunct="1">
+      <a:defRPr sz="1200" kern="1200">
+        <a:solidFill>
+          <a:schemeClr val="tx1"/>
+        </a:solidFill>
+        <a:latin typeface="+mn-lt"/>
+        <a:ea typeface="+mn-ea"/>
+        <a:cs typeface="+mn-cs"/>
+      </a:defRPr>
+    </a:lvl1pPr>
+    <a:lvl2pPr marL="457200" algn="l" defTabSz="914400" rtl="0" eaLnBrk="1" latinLnBrk="0" hangingPunct="1">
+      <a:defRPr sz="1200" kern="1200">
+        <a:solidFill>
+          <a:schemeClr val="tx1"/>
+        </a:solidFill>
+        <a:latin typeface="+mn-lt"/>
+        <a:ea typeface="+mn-ea"/>
+        <a:cs typeface="+mn-cs"/>
+      </a:defRPr>
+    </a:lvl2pPr>
+    <a:lvl3pPr marL="914400" algn="l" defTabSz="914400" rtl="0" eaLnBrk="1" latinLnBrk="0" hangingPunct="1">
+      <a:defRPr sz="1200" kern="1200">
+        <a:solidFill>
+          <a:schemeClr val="tx1"/>
+        </a:solidFill>
+        <a:latin typeface="+mn-lt"/>
+        <a:ea typeface="+mn-ea"/>
+        <a:cs typeface="+mn-cs"/>
+      </a:defRPr>
+    </a:lvl3pPr>
+    <a:lvl4pPr marL="1371600" algn="l" defTabSz="914400" rtl="0" eaLnBrk="1" latinLnBrk="0" hangingPunct="1">
+      <a:defRPr sz="1200" kern="1200">
+        <a:solidFill>
+          <a:schemeClr val="tx1"/>
+        </a:solidFill>
+        <a:latin typeface="+mn-lt"/>
+        <a:ea typeface="+mn-ea"/>
+        <a:cs typeface="+mn-cs"/>
+      </a:defRPr>
+    </a:lvl4pPr>
+    <a:lvl5pPr marL="1828800" algn="l" defTabSz="914400" rtl="0" eaLnBrk="1" latinLnBrk="0" hangingPunct="1">
+      <a:defRPr sz="1200" kern="1200">
+        <a:solidFill>
+          <a:schemeClr val="tx1"/>
+        </a:solidFill>
+        <a:latin typeface="+mn-lt"/>
+        <a:ea typeface="+mn-ea"/>
+        <a:cs typeface="+mn-cs"/>
+      </a:defRPr>
+    </a:lvl5pPr>
+    <a:lvl6pPr marL="2286000" algn="l" defTabSz="914400" rtl="0" eaLnBrk="1" latinLnBrk="0" hangingPunct="1">
+      <a:defRPr sz="1200" kern="1200">
+        <a:solidFill>
+          <a:schemeClr val="tx1"/>
+        </a:solidFill>
+        <a:latin typeface="+mn-lt"/>
+        <a:ea typeface="+mn-ea"/>
+        <a:cs typeface="+mn-cs"/>
+      </a:defRPr>
+    </a:lvl6pPr>
+    <a:lvl7pPr marL="2743200" algn="l" defTabSz="914400" rtl="0" eaLnBrk="1" latinLnBrk="0" hangingPunct="1">
+      <a:defRPr sz="1200" kern="1200">
+        <a:solidFill>
+          <a:schemeClr val="tx1"/>
+        </a:solidFill>
+        <a:latin typeface="+mn-lt"/>
+        <a:ea typeface="+mn-ea"/>
+        <a:cs typeface="+mn-cs"/>
+      </a:defRPr>
+    </a:lvl7pPr>
+    <a:lvl8pPr marL="3200400" algn="l" defTabSz="914400" rtl="0" eaLnBrk="1" latinLnBrk="0" hangingPunct="1">
+      <a:defRPr sz="1200" kern="1200">
+        <a:solidFill>
+          <a:schemeClr val="tx1"/>
+        </a:solidFill>
+        <a:latin typeface="+mn-lt"/>
+        <a:ea typeface="+mn-ea"/>
+        <a:cs typeface="+mn-cs"/>
+      </a:defRPr>
+    </a:lvl8pPr>
+    <a:lvl9pPr marL="3657600" algn="l" defTabSz="914400" rtl="0" eaLnBrk="1" latinLnBrk="0" hangingPunct="1">
+      <a:defRPr sz="1200" kern="1200">
+        <a:solidFill>
+          <a:schemeClr val="tx1"/>
+        </a:solidFill>
+        <a:latin typeface="+mn-lt"/>
+        <a:ea typeface="+mn-ea"/>
+        <a:cs typeface="+mn-cs"/>
+      </a:defRPr>
+    </a:lvl9pPr>
+  </p:notesStyle>
+</p:notesMaster>
+</file>
+
+<file path=ppt/notesSlides/notesSlide1.xml><?xml version="1.0" encoding="utf-8"?>
+<p:notes xmlns:a="http://schemas.openxmlformats.org/drawingml/2006/main" xmlns:r="http://schemas.openxmlformats.org/officeDocument/2006/relationships" xmlns:p="http://schemas.openxmlformats.org/presentationml/2006/main">
+  <p:cSld>
+    <p:spTree>
+      <p:nvGrpSpPr>
+        <p:cNvPr id="1" name=""/>
+        <p:cNvGrpSpPr/>
+        <p:nvPr/>
+      </p:nvGrpSpPr>
+      <p:grpSpPr>
+        <a:xfrm>
+          <a:off x="0" y="0"/>
+          <a:ext cx="0" cy="0"/>
+          <a:chOff x="0" y="0"/>
+          <a:chExt cx="0" cy="0"/>
+        </a:xfrm>
+      </p:grpSpPr>
+      <p:sp>
+        <p:nvSpPr>
+          <p:cNvPr id="2" name="Slide Image Placeholder 1"/>
+          <p:cNvSpPr>
+            <a:spLocks noGrp="1" noRot="1" noChangeAspect="1"/>
+          </p:cNvSpPr>
+          <p:nvPr>
+            <p:ph type="sldImg"/>
+          </p:nvPr>
+        </p:nvSpPr>
+        <p:spPr/>
+      </p:sp>
+      <p:sp>
+        <p:nvSpPr>
+          <p:cNvPr id="3" name="Notes Placeholder 2"/>
+          <p:cNvSpPr>
+            <a:spLocks noGrp="1"/>
+          </p:cNvSpPr>
+          <p:nvPr>
+            <p:ph type="body" idx="1"/>
+          </p:nvPr>
+        </p:nvSpPr>
+        <p:spPr/>
+        <p:txBody>
+          <a:bodyPr/>
+          <a:lstStyle/>
+          <a:p>
+            <a:endParaRPr lang="en-GB" dirty="0"/>
+          </a:p>
+        </p:txBody>
+      </p:sp>
+      <p:sp>
+        <p:nvSpPr>
+          <p:cNvPr id="4" name="Slide Number Placeholder 3"/>
+          <p:cNvSpPr>
+            <a:spLocks noGrp="1"/>
+          </p:cNvSpPr>
+          <p:nvPr>
+            <p:ph type="sldNum" sz="quarter" idx="10"/>
+          </p:nvPr>
+        </p:nvSpPr>
+        <p:spPr/>
+        <p:txBody>
+          <a:bodyPr/>
+          <a:lstStyle/>
+          <a:p>
+            <a:fld id="{248A8C8B-13AA-4D78-991A-A83593F114E5}" type="slidenum">
+              <a:rPr lang="en-GB" smtClean="0"/>
+              <a:t>7</a:t>
+            </a:fld>
+            <a:endParaRPr lang="en-GB"/>
+          </a:p>
+        </p:txBody>
+      </p:sp>
+    </p:spTree>
+    <p:extLst>
+      <p:ext uri="{BB962C8B-B14F-4D97-AF65-F5344CB8AC3E}">
+        <p14:creationId xmlns:p14="http://schemas.microsoft.com/office/powerpoint/2010/main" val="2112400405"/>
+      </p:ext>
+    </p:extLst>
+  </p:cSld>
+  <p:clrMapOvr>
+    <a:masterClrMapping/>
+  </p:clrMapOvr>
+</p:notes>
 </file>
 
 <file path=ppt/slideLayouts/slideLayout1.xml><?xml version="1.0" encoding="utf-8"?>
@@ -330,7 +769,7 @@
           </a:lstStyle>
           <a:p>
             <a:r>
-              <a:rPr lang="en-US" smtClean="0"/>
+              <a:rPr lang="en-US"/>
               <a:t>Click to edit Master title style</a:t>
             </a:r>
             <a:endParaRPr lang="en-GB"/>
@@ -395,7 +834,7 @@
           </a:lstStyle>
           <a:p>
             <a:r>
-              <a:rPr lang="en-US" smtClean="0"/>
+              <a:rPr lang="en-US"/>
               <a:t>Click to edit Master subtitle style</a:t>
             </a:r>
             <a:endParaRPr lang="en-GB"/>
@@ -419,7 +858,7 @@
           <a:p>
             <a:fld id="{4721F08F-05AF-4027-A087-8CCC2D7CE76C}" type="datetimeFigureOut">
               <a:rPr lang="en-GB" smtClean="0"/>
-              <a:t>24/06/2018</a:t>
+              <a:t>22/08/2018</a:t>
             </a:fld>
             <a:endParaRPr lang="en-GB"/>
           </a:p>
@@ -477,13 +916,6 @@
   <p:clrMapOvr>
     <a:masterClrMapping/>
   </p:clrMapOvr>
-  <p:timing>
-    <p:tnLst>
-      <p:par>
-        <p:cTn id="1" dur="indefinite" restart="never" nodeType="tmRoot"/>
-      </p:par>
-    </p:tnLst>
-  </p:timing>
   <p:extLst>
     <p:ext uri="{DCECCB84-F9BA-43D5-87BE-67443E8EF086}">
       <p15:sldGuideLst xmlns:p15="http://schemas.microsoft.com/office/powerpoint/2012/main"/>
@@ -525,7 +957,7 @@
           <a:lstStyle/>
           <a:p>
             <a:r>
-              <a:rPr lang="en-US" smtClean="0"/>
+              <a:rPr lang="en-US"/>
               <a:t>Click to edit Master title style</a:t>
             </a:r>
             <a:endParaRPr lang="en-GB"/>
@@ -549,35 +981,35 @@
           <a:p>
             <a:pPr lvl="0"/>
             <a:r>
-              <a:rPr lang="en-US" smtClean="0"/>
+              <a:rPr lang="en-US"/>
               <a:t>Click to edit Master text styles</a:t>
             </a:r>
           </a:p>
           <a:p>
             <a:pPr lvl="1"/>
             <a:r>
-              <a:rPr lang="en-US" smtClean="0"/>
+              <a:rPr lang="en-US"/>
               <a:t>Second level</a:t>
             </a:r>
           </a:p>
           <a:p>
             <a:pPr lvl="2"/>
             <a:r>
-              <a:rPr lang="en-US" smtClean="0"/>
+              <a:rPr lang="en-US"/>
               <a:t>Third level</a:t>
             </a:r>
           </a:p>
           <a:p>
             <a:pPr lvl="3"/>
             <a:r>
-              <a:rPr lang="en-US" smtClean="0"/>
+              <a:rPr lang="en-US"/>
               <a:t>Fourth level</a:t>
             </a:r>
           </a:p>
           <a:p>
             <a:pPr lvl="4"/>
             <a:r>
-              <a:rPr lang="en-US" smtClean="0"/>
+              <a:rPr lang="en-US"/>
               <a:t>Fifth level</a:t>
             </a:r>
             <a:endParaRPr lang="en-GB"/>
@@ -601,7 +1033,7 @@
           <a:p>
             <a:fld id="{4721F08F-05AF-4027-A087-8CCC2D7CE76C}" type="datetimeFigureOut">
               <a:rPr lang="en-GB" smtClean="0"/>
-              <a:t>24/06/2018</a:t>
+              <a:t>22/08/2018</a:t>
             </a:fld>
             <a:endParaRPr lang="en-GB"/>
           </a:p>
@@ -700,7 +1132,7 @@
           <a:lstStyle/>
           <a:p>
             <a:r>
-              <a:rPr lang="en-US" smtClean="0"/>
+              <a:rPr lang="en-US"/>
               <a:t>Click to edit Master title style</a:t>
             </a:r>
             <a:endParaRPr lang="en-GB"/>
@@ -729,35 +1161,35 @@
           <a:p>
             <a:pPr lvl="0"/>
             <a:r>
-              <a:rPr lang="en-US" smtClean="0"/>
+              <a:rPr lang="en-US"/>
               <a:t>Click to edit Master text styles</a:t>
             </a:r>
           </a:p>
           <a:p>
             <a:pPr lvl="1"/>
             <a:r>
-              <a:rPr lang="en-US" smtClean="0"/>
+              <a:rPr lang="en-US"/>
               <a:t>Second level</a:t>
             </a:r>
           </a:p>
           <a:p>
             <a:pPr lvl="2"/>
             <a:r>
-              <a:rPr lang="en-US" smtClean="0"/>
+              <a:rPr lang="en-US"/>
               <a:t>Third level</a:t>
             </a:r>
           </a:p>
           <a:p>
             <a:pPr lvl="3"/>
             <a:r>
-              <a:rPr lang="en-US" smtClean="0"/>
+              <a:rPr lang="en-US"/>
               <a:t>Fourth level</a:t>
             </a:r>
           </a:p>
           <a:p>
             <a:pPr lvl="4"/>
             <a:r>
-              <a:rPr lang="en-US" smtClean="0"/>
+              <a:rPr lang="en-US"/>
               <a:t>Fifth level</a:t>
             </a:r>
             <a:endParaRPr lang="en-GB"/>
@@ -781,7 +1213,7 @@
           <a:p>
             <a:fld id="{4721F08F-05AF-4027-A087-8CCC2D7CE76C}" type="datetimeFigureOut">
               <a:rPr lang="en-GB" smtClean="0"/>
-              <a:t>24/06/2018</a:t>
+              <a:t>22/08/2018</a:t>
             </a:fld>
             <a:endParaRPr lang="en-GB"/>
           </a:p>
@@ -944,7 +1376,7 @@
           <a:p>
             <a:pPr algn="ctr"/>
             <a:r>
-              <a:rPr lang="en-GB" sz="2400" b="1" dirty="0" smtClean="0">
+              <a:rPr lang="en-GB" sz="2400" b="1" dirty="0">
                 <a:solidFill>
                   <a:schemeClr val="bg1"/>
                 </a:solidFill>
@@ -952,12 +1384,6 @@
               </a:rPr>
               <a:t>Title</a:t>
             </a:r>
-            <a:endParaRPr lang="en-GB" sz="2400" b="1" dirty="0">
-              <a:solidFill>
-                <a:schemeClr val="bg1"/>
-              </a:solidFill>
-              <a:latin typeface="VCR OSD Mono" panose="02000609000000000000" pitchFamily="49" charset="0"/>
-            </a:endParaRPr>
           </a:p>
         </p:txBody>
       </p:sp>
@@ -971,13 +1397,6 @@
   <p:clrMapOvr>
     <a:masterClrMapping/>
   </p:clrMapOvr>
-  <p:timing>
-    <p:tnLst>
-      <p:par>
-        <p:cTn id="1" dur="indefinite" restart="never" nodeType="tmRoot"/>
-      </p:par>
-    </p:tnLst>
-  </p:timing>
 </p:sldLayout>
 </file>
 
@@ -1023,7 +1442,7 @@
           </a:lstStyle>
           <a:p>
             <a:r>
-              <a:rPr lang="en-US" smtClean="0"/>
+              <a:rPr lang="en-US"/>
               <a:t>Click to edit Master title style</a:t>
             </a:r>
             <a:endParaRPr lang="en-GB"/>
@@ -1143,7 +1562,7 @@
           <a:p>
             <a:pPr lvl="0"/>
             <a:r>
-              <a:rPr lang="en-US" smtClean="0"/>
+              <a:rPr lang="en-US"/>
               <a:t>Click to edit Master text styles</a:t>
             </a:r>
           </a:p>
@@ -1166,7 +1585,7 @@
           <a:p>
             <a:fld id="{4721F08F-05AF-4027-A087-8CCC2D7CE76C}" type="datetimeFigureOut">
               <a:rPr lang="en-GB" smtClean="0"/>
-              <a:t>24/06/2018</a:t>
+              <a:t>22/08/2018</a:t>
             </a:fld>
             <a:endParaRPr lang="en-GB"/>
           </a:p>
@@ -1265,7 +1684,7 @@
           <a:lstStyle/>
           <a:p>
             <a:r>
-              <a:rPr lang="en-US" smtClean="0"/>
+              <a:rPr lang="en-US"/>
               <a:t>Click to edit Master title style</a:t>
             </a:r>
             <a:endParaRPr lang="en-GB"/>
@@ -1294,35 +1713,35 @@
           <a:p>
             <a:pPr lvl="0"/>
             <a:r>
-              <a:rPr lang="en-US" smtClean="0"/>
+              <a:rPr lang="en-US"/>
               <a:t>Click to edit Master text styles</a:t>
             </a:r>
           </a:p>
           <a:p>
             <a:pPr lvl="1"/>
             <a:r>
-              <a:rPr lang="en-US" smtClean="0"/>
+              <a:rPr lang="en-US"/>
               <a:t>Second level</a:t>
             </a:r>
           </a:p>
           <a:p>
             <a:pPr lvl="2"/>
             <a:r>
-              <a:rPr lang="en-US" smtClean="0"/>
+              <a:rPr lang="en-US"/>
               <a:t>Third level</a:t>
             </a:r>
           </a:p>
           <a:p>
             <a:pPr lvl="3"/>
             <a:r>
-              <a:rPr lang="en-US" smtClean="0"/>
+              <a:rPr lang="en-US"/>
               <a:t>Fourth level</a:t>
             </a:r>
           </a:p>
           <a:p>
             <a:pPr lvl="4"/>
             <a:r>
-              <a:rPr lang="en-US" smtClean="0"/>
+              <a:rPr lang="en-US"/>
               <a:t>Fifth level</a:t>
             </a:r>
             <a:endParaRPr lang="en-GB"/>
@@ -1351,35 +1770,35 @@
           <a:p>
             <a:pPr lvl="0"/>
             <a:r>
-              <a:rPr lang="en-US" smtClean="0"/>
+              <a:rPr lang="en-US"/>
               <a:t>Click to edit Master text styles</a:t>
             </a:r>
           </a:p>
           <a:p>
             <a:pPr lvl="1"/>
             <a:r>
-              <a:rPr lang="en-US" smtClean="0"/>
+              <a:rPr lang="en-US"/>
               <a:t>Second level</a:t>
             </a:r>
           </a:p>
           <a:p>
             <a:pPr lvl="2"/>
             <a:r>
-              <a:rPr lang="en-US" smtClean="0"/>
+              <a:rPr lang="en-US"/>
               <a:t>Third level</a:t>
             </a:r>
           </a:p>
           <a:p>
             <a:pPr lvl="3"/>
             <a:r>
-              <a:rPr lang="en-US" smtClean="0"/>
+              <a:rPr lang="en-US"/>
               <a:t>Fourth level</a:t>
             </a:r>
           </a:p>
           <a:p>
             <a:pPr lvl="4"/>
             <a:r>
-              <a:rPr lang="en-US" smtClean="0"/>
+              <a:rPr lang="en-US"/>
               <a:t>Fifth level</a:t>
             </a:r>
             <a:endParaRPr lang="en-GB"/>
@@ -1403,7 +1822,7 @@
           <a:p>
             <a:fld id="{4721F08F-05AF-4027-A087-8CCC2D7CE76C}" type="datetimeFigureOut">
               <a:rPr lang="en-GB" smtClean="0"/>
-              <a:t>24/06/2018</a:t>
+              <a:t>22/08/2018</a:t>
             </a:fld>
             <a:endParaRPr lang="en-GB"/>
           </a:p>
@@ -1502,7 +1921,7 @@
           <a:lstStyle/>
           <a:p>
             <a:r>
-              <a:rPr lang="en-US" smtClean="0"/>
+              <a:rPr lang="en-US"/>
               <a:t>Click to edit Master title style</a:t>
             </a:r>
             <a:endParaRPr lang="en-GB"/>
@@ -1568,7 +1987,7 @@
           <a:p>
             <a:pPr lvl="0"/>
             <a:r>
-              <a:rPr lang="en-US" smtClean="0"/>
+              <a:rPr lang="en-US"/>
               <a:t>Click to edit Master text styles</a:t>
             </a:r>
           </a:p>
@@ -1596,35 +2015,35 @@
           <a:p>
             <a:pPr lvl="0"/>
             <a:r>
-              <a:rPr lang="en-US" smtClean="0"/>
+              <a:rPr lang="en-US"/>
               <a:t>Click to edit Master text styles</a:t>
             </a:r>
           </a:p>
           <a:p>
             <a:pPr lvl="1"/>
             <a:r>
-              <a:rPr lang="en-US" smtClean="0"/>
+              <a:rPr lang="en-US"/>
               <a:t>Second level</a:t>
             </a:r>
           </a:p>
           <a:p>
             <a:pPr lvl="2"/>
             <a:r>
-              <a:rPr lang="en-US" smtClean="0"/>
+              <a:rPr lang="en-US"/>
               <a:t>Third level</a:t>
             </a:r>
           </a:p>
           <a:p>
             <a:pPr lvl="3"/>
             <a:r>
-              <a:rPr lang="en-US" smtClean="0"/>
+              <a:rPr lang="en-US"/>
               <a:t>Fourth level</a:t>
             </a:r>
           </a:p>
           <a:p>
             <a:pPr lvl="4"/>
             <a:r>
-              <a:rPr lang="en-US" smtClean="0"/>
+              <a:rPr lang="en-US"/>
               <a:t>Fifth level</a:t>
             </a:r>
             <a:endParaRPr lang="en-GB"/>
@@ -1690,7 +2109,7 @@
           <a:p>
             <a:pPr lvl="0"/>
             <a:r>
-              <a:rPr lang="en-US" smtClean="0"/>
+              <a:rPr lang="en-US"/>
               <a:t>Click to edit Master text styles</a:t>
             </a:r>
           </a:p>
@@ -1718,35 +2137,35 @@
           <a:p>
             <a:pPr lvl="0"/>
             <a:r>
-              <a:rPr lang="en-US" smtClean="0"/>
+              <a:rPr lang="en-US"/>
               <a:t>Click to edit Master text styles</a:t>
             </a:r>
           </a:p>
           <a:p>
             <a:pPr lvl="1"/>
             <a:r>
-              <a:rPr lang="en-US" smtClean="0"/>
+              <a:rPr lang="en-US"/>
               <a:t>Second level</a:t>
             </a:r>
           </a:p>
           <a:p>
             <a:pPr lvl="2"/>
             <a:r>
-              <a:rPr lang="en-US" smtClean="0"/>
+              <a:rPr lang="en-US"/>
               <a:t>Third level</a:t>
             </a:r>
           </a:p>
           <a:p>
             <a:pPr lvl="3"/>
             <a:r>
-              <a:rPr lang="en-US" smtClean="0"/>
+              <a:rPr lang="en-US"/>
               <a:t>Fourth level</a:t>
             </a:r>
           </a:p>
           <a:p>
             <a:pPr lvl="4"/>
             <a:r>
-              <a:rPr lang="en-US" smtClean="0"/>
+              <a:rPr lang="en-US"/>
               <a:t>Fifth level</a:t>
             </a:r>
             <a:endParaRPr lang="en-GB"/>
@@ -1770,7 +2189,7 @@
           <a:p>
             <a:fld id="{4721F08F-05AF-4027-A087-8CCC2D7CE76C}" type="datetimeFigureOut">
               <a:rPr lang="en-GB" smtClean="0"/>
-              <a:t>24/06/2018</a:t>
+              <a:t>22/08/2018</a:t>
             </a:fld>
             <a:endParaRPr lang="en-GB"/>
           </a:p>
@@ -1864,7 +2283,7 @@
           <a:lstStyle/>
           <a:p>
             <a:r>
-              <a:rPr lang="en-US" smtClean="0"/>
+              <a:rPr lang="en-US"/>
               <a:t>Click to edit Master title style</a:t>
             </a:r>
             <a:endParaRPr lang="en-GB"/>
@@ -1888,7 +2307,7 @@
           <a:p>
             <a:fld id="{4721F08F-05AF-4027-A087-8CCC2D7CE76C}" type="datetimeFigureOut">
               <a:rPr lang="en-GB" smtClean="0"/>
-              <a:t>24/06/2018</a:t>
+              <a:t>22/08/2018</a:t>
             </a:fld>
             <a:endParaRPr lang="en-GB"/>
           </a:p>
@@ -1983,7 +2402,7 @@
           <a:p>
             <a:fld id="{4721F08F-05AF-4027-A087-8CCC2D7CE76C}" type="datetimeFigureOut">
               <a:rPr lang="en-GB" smtClean="0"/>
-              <a:t>24/06/2018</a:t>
+              <a:t>22/08/2018</a:t>
             </a:fld>
             <a:endParaRPr lang="en-GB"/>
           </a:p>
@@ -2091,7 +2510,7 @@
           </a:lstStyle>
           <a:p>
             <a:r>
-              <a:rPr lang="en-US" smtClean="0"/>
+              <a:rPr lang="en-US"/>
               <a:t>Click to edit Master title style</a:t>
             </a:r>
             <a:endParaRPr lang="en-GB"/>
@@ -2148,35 +2567,35 @@
           <a:p>
             <a:pPr lvl="0"/>
             <a:r>
-              <a:rPr lang="en-US" smtClean="0"/>
+              <a:rPr lang="en-US"/>
               <a:t>Click to edit Master text styles</a:t>
             </a:r>
           </a:p>
           <a:p>
             <a:pPr lvl="1"/>
             <a:r>
-              <a:rPr lang="en-US" smtClean="0"/>
+              <a:rPr lang="en-US"/>
               <a:t>Second level</a:t>
             </a:r>
           </a:p>
           <a:p>
             <a:pPr lvl="2"/>
             <a:r>
-              <a:rPr lang="en-US" smtClean="0"/>
+              <a:rPr lang="en-US"/>
               <a:t>Third level</a:t>
             </a:r>
           </a:p>
           <a:p>
             <a:pPr lvl="3"/>
             <a:r>
-              <a:rPr lang="en-US" smtClean="0"/>
+              <a:rPr lang="en-US"/>
               <a:t>Fourth level</a:t>
             </a:r>
           </a:p>
           <a:p>
             <a:pPr lvl="4"/>
             <a:r>
-              <a:rPr lang="en-US" smtClean="0"/>
+              <a:rPr lang="en-US"/>
               <a:t>Fifth level</a:t>
             </a:r>
             <a:endParaRPr lang="en-GB"/>
@@ -2242,7 +2661,7 @@
           <a:p>
             <a:pPr lvl="0"/>
             <a:r>
-              <a:rPr lang="en-US" smtClean="0"/>
+              <a:rPr lang="en-US"/>
               <a:t>Click to edit Master text styles</a:t>
             </a:r>
           </a:p>
@@ -2265,7 +2684,7 @@
           <a:p>
             <a:fld id="{4721F08F-05AF-4027-A087-8CCC2D7CE76C}" type="datetimeFigureOut">
               <a:rPr lang="en-GB" smtClean="0"/>
-              <a:t>24/06/2018</a:t>
+              <a:t>22/08/2018</a:t>
             </a:fld>
             <a:endParaRPr lang="en-GB"/>
           </a:p>
@@ -2373,7 +2792,7 @@
           </a:lstStyle>
           <a:p>
             <a:r>
-              <a:rPr lang="en-US" smtClean="0"/>
+              <a:rPr lang="en-US"/>
               <a:t>Click to edit Master title style</a:t>
             </a:r>
             <a:endParaRPr lang="en-GB"/>
@@ -2500,7 +2919,7 @@
           <a:p>
             <a:pPr lvl="0"/>
             <a:r>
-              <a:rPr lang="en-US" smtClean="0"/>
+              <a:rPr lang="en-US"/>
               <a:t>Click to edit Master text styles</a:t>
             </a:r>
           </a:p>
@@ -2523,7 +2942,7 @@
           <a:p>
             <a:fld id="{4721F08F-05AF-4027-A087-8CCC2D7CE76C}" type="datetimeFigureOut">
               <a:rPr lang="en-GB" smtClean="0"/>
-              <a:t>24/06/2018</a:t>
+              <a:t>22/08/2018</a:t>
             </a:fld>
             <a:endParaRPr lang="en-GB"/>
           </a:p>
@@ -2632,7 +3051,7 @@
           <a:lstStyle/>
           <a:p>
             <a:r>
-              <a:rPr lang="en-US" smtClean="0"/>
+              <a:rPr lang="en-US"/>
               <a:t>Click to edit Master title style</a:t>
             </a:r>
             <a:endParaRPr lang="en-GB"/>
@@ -2666,35 +3085,35 @@
           <a:p>
             <a:pPr lvl="0"/>
             <a:r>
-              <a:rPr lang="en-US" smtClean="0"/>
+              <a:rPr lang="en-US"/>
               <a:t>Click to edit Master text styles</a:t>
             </a:r>
           </a:p>
           <a:p>
             <a:pPr lvl="1"/>
             <a:r>
-              <a:rPr lang="en-US" smtClean="0"/>
+              <a:rPr lang="en-US"/>
               <a:t>Second level</a:t>
             </a:r>
           </a:p>
           <a:p>
             <a:pPr lvl="2"/>
             <a:r>
-              <a:rPr lang="en-US" smtClean="0"/>
+              <a:rPr lang="en-US"/>
               <a:t>Third level</a:t>
             </a:r>
           </a:p>
           <a:p>
             <a:pPr lvl="3"/>
             <a:r>
-              <a:rPr lang="en-US" smtClean="0"/>
+              <a:rPr lang="en-US"/>
               <a:t>Fourth level</a:t>
             </a:r>
           </a:p>
           <a:p>
             <a:pPr lvl="4"/>
             <a:r>
-              <a:rPr lang="en-US" smtClean="0"/>
+              <a:rPr lang="en-US"/>
               <a:t>Fifth level</a:t>
             </a:r>
             <a:endParaRPr lang="en-GB"/>
@@ -2736,7 +3155,7 @@
           <a:p>
             <a:fld id="{4721F08F-05AF-4027-A087-8CCC2D7CE76C}" type="datetimeFigureOut">
               <a:rPr lang="en-GB" smtClean="0"/>
-              <a:t>24/06/2018</a:t>
+              <a:t>22/08/2018</a:t>
             </a:fld>
             <a:endParaRPr lang="en-GB"/>
           </a:p>
@@ -2841,13 +3260,6 @@
     <p:sldLayoutId id="2147483939" r:id="rId10"/>
     <p:sldLayoutId id="2147483940" r:id="rId11"/>
   </p:sldLayoutIdLst>
-  <p:timing>
-    <p:tnLst>
-      <p:par>
-        <p:cTn id="1" dur="indefinite" restart="never" nodeType="tmRoot"/>
-      </p:par>
-    </p:tnLst>
-  </p:timing>
   <p:txStyles>
     <p:titleStyle>
       <a:lvl1pPr algn="l" defTabSz="914400" rtl="0" eaLnBrk="1" latinLnBrk="0" hangingPunct="1">
@@ -3207,7 +3619,7 @@
           <a:p>
             <a:pPr algn="ctr"/>
             <a:r>
-              <a:rPr lang="en-GB" sz="4800" dirty="0" smtClean="0">
+              <a:rPr lang="en-GB" sz="4800" dirty="0">
                 <a:solidFill>
                   <a:schemeClr val="bg1"/>
                 </a:solidFill>
@@ -3215,12 +3627,6 @@
               </a:rPr>
               <a:t>Game feel</a:t>
             </a:r>
-            <a:endParaRPr lang="en-GB" sz="4800" dirty="0">
-              <a:solidFill>
-                <a:schemeClr val="bg1"/>
-              </a:solidFill>
-              <a:latin typeface="VCR OSD Mono" panose="02000609000000000000" pitchFamily="49" charset="0"/>
-            </a:endParaRPr>
           </a:p>
         </p:txBody>
       </p:sp>
@@ -3234,13 +3640,6 @@
   <p:clrMapOvr>
     <a:masterClrMapping/>
   </p:clrMapOvr>
-  <p:timing>
-    <p:tnLst>
-      <p:par>
-        <p:cTn id="1" dur="indefinite" restart="never" nodeType="tmRoot"/>
-      </p:par>
-    </p:tnLst>
-  </p:timing>
 </p:sld>
 </file>
 
@@ -3284,14 +3683,11 @@
           <a:lstStyle/>
           <a:p>
             <a:r>
-              <a:rPr lang="en-GB" sz="3200" dirty="0" smtClean="0">
+              <a:rPr lang="en-GB" sz="3200" dirty="0">
                 <a:latin typeface="VCR OSD Mono" panose="02000609000000000000" pitchFamily="49" charset="0"/>
               </a:rPr>
               <a:t>Things that are unique to video games</a:t>
             </a:r>
-            <a:endParaRPr lang="en-GB" sz="3200" dirty="0">
-              <a:latin typeface="VCR OSD Mono" panose="02000609000000000000" pitchFamily="49" charset="0"/>
-            </a:endParaRPr>
           </a:p>
         </p:txBody>
       </p:sp>
@@ -3307,7 +3703,7 @@
         </p:nvSpPr>
         <p:spPr>
           <a:xfrm>
-            <a:off x="1549400" y="1842770"/>
+            <a:off x="1544828" y="1842770"/>
             <a:ext cx="10515600" cy="4351338"/>
           </a:xfrm>
         </p:spPr>
@@ -3316,7 +3712,7 @@
           <a:lstStyle/>
           <a:p>
             <a:r>
-              <a:rPr lang="en-GB" dirty="0" smtClean="0">
+              <a:rPr lang="en-GB" dirty="0">
                 <a:latin typeface="VCR OSD Mono" panose="02000609000000000000" pitchFamily="49" charset="0"/>
               </a:rPr>
               <a:t>Emergent behaviour</a:t>
@@ -3327,15 +3723,15 @@
               <a:rPr lang="en-GB" dirty="0">
                 <a:latin typeface="VCR OSD Mono" panose="02000609000000000000" pitchFamily="49" charset="0"/>
               </a:rPr>
-              <a:t>Re-playability </a:t>
-            </a:r>
-            <a:endParaRPr lang="en-GB" dirty="0" smtClean="0">
-              <a:latin typeface="VCR OSD Mono" panose="02000609000000000000" pitchFamily="49" charset="0"/>
-            </a:endParaRPr>
-          </a:p>
-          <a:p>
-            <a:r>
-              <a:rPr lang="en-GB" dirty="0" smtClean="0">
+              <a:t>Re-playability (with different outcomes)</a:t>
+            </a:r>
+          </a:p>
+          <a:p>
+            <a:r>
+              <a:rPr lang="en-GB" dirty="0">
+                <a:solidFill>
+                  <a:srgbClr val="00B050"/>
+                </a:solidFill>
                 <a:latin typeface="VCR OSD Mono" panose="02000609000000000000" pitchFamily="49" charset="0"/>
               </a:rPr>
               <a:t>Game feel</a:t>
@@ -3366,20 +3762,17 @@
           <a:lstStyle/>
           <a:p>
             <a:r>
-              <a:rPr lang="en-GB" dirty="0" err="1" smtClean="0">
+              <a:rPr lang="en-GB" dirty="0" err="1">
                 <a:latin typeface="VCR OSD Mono" panose="02000609000000000000" pitchFamily="49" charset="0"/>
               </a:rPr>
               <a:t>Cuz</a:t>
             </a:r>
             <a:r>
-              <a:rPr lang="en-GB" dirty="0" smtClean="0">
+              <a:rPr lang="en-GB" dirty="0">
                 <a:latin typeface="VCR OSD Mono" panose="02000609000000000000" pitchFamily="49" charset="0"/>
               </a:rPr>
               <a:t> games is art</a:t>
             </a:r>
-            <a:endParaRPr lang="en-GB" dirty="0">
-              <a:latin typeface="VCR OSD Mono" panose="02000609000000000000" pitchFamily="49" charset="0"/>
-            </a:endParaRPr>
           </a:p>
         </p:txBody>
       </p:sp>
@@ -3393,13 +3786,6 @@
   <p:clrMapOvr>
     <a:masterClrMapping/>
   </p:clrMapOvr>
-  <p:timing>
-    <p:tnLst>
-      <p:par>
-        <p:cTn id="1" dur="indefinite" restart="never" nodeType="tmRoot"/>
-      </p:par>
-    </p:tnLst>
-  </p:timing>
 </p:sld>
 </file>
 
@@ -3441,10 +3827,9 @@
           <a:lstStyle/>
           <a:p>
             <a:r>
-              <a:rPr lang="en-GB" dirty="0" smtClean="0"/>
-              <a:t>Emergent behaviour </a:t>
-            </a:r>
-            <a:endParaRPr lang="en-GB" dirty="0"/>
+              <a:rPr lang="en-GB" dirty="0"/>
+              <a:t>WTF is game feel</a:t>
+            </a:r>
           </a:p>
         </p:txBody>
       </p:sp>
@@ -3465,30 +3850,76 @@
           </a:xfrm>
         </p:spPr>
         <p:txBody>
-          <a:bodyPr/>
-          <a:lstStyle/>
-          <a:p>
-            <a:endParaRPr lang="en-GB"/>
+          <a:bodyPr>
+            <a:normAutofit/>
+          </a:bodyPr>
+          <a:lstStyle/>
+          <a:p>
+            <a:pPr marL="0" indent="0">
+              <a:buNone/>
+            </a:pPr>
+            <a:r>
+              <a:rPr lang="en-GB" dirty="0"/>
+              <a:t>A virtual sensation </a:t>
+            </a:r>
+          </a:p>
+          <a:p>
+            <a:pPr marL="0" indent="0">
+              <a:buNone/>
+            </a:pPr>
+            <a:endParaRPr lang="en-GB" dirty="0"/>
+          </a:p>
+          <a:p>
+            <a:pPr marL="0" indent="0">
+              <a:buNone/>
+            </a:pPr>
+            <a:r>
+              <a:rPr lang="en-GB" dirty="0"/>
+              <a:t>Game feel is apparent at a prototype stage</a:t>
+            </a:r>
+          </a:p>
+          <a:p>
+            <a:pPr marL="0" indent="0">
+              <a:buNone/>
+            </a:pPr>
+            <a:endParaRPr lang="en-GB" dirty="0"/>
+          </a:p>
+          <a:p>
+            <a:pPr marL="0" indent="0">
+              <a:buNone/>
+            </a:pPr>
+            <a:r>
+              <a:rPr lang="en-GB" dirty="0"/>
+              <a:t>Animation (exaggeration, smears etc.) , sound effects</a:t>
+            </a:r>
+          </a:p>
+          <a:p>
+            <a:pPr marL="0" indent="0">
+              <a:buNone/>
+            </a:pPr>
+            <a:endParaRPr lang="en-GB" dirty="0"/>
+          </a:p>
+          <a:p>
+            <a:pPr marL="0" indent="0">
+              <a:buNone/>
+            </a:pPr>
+            <a:r>
+              <a:rPr lang="en-GB" dirty="0"/>
+              <a:t>https://www.youtube.com/watch?v=pmSAG51BybY</a:t>
+            </a:r>
           </a:p>
         </p:txBody>
       </p:sp>
     </p:spTree>
     <p:extLst>
       <p:ext uri="{BB962C8B-B14F-4D97-AF65-F5344CB8AC3E}">
-        <p14:creationId xmlns:p14="http://schemas.microsoft.com/office/powerpoint/2010/main" val="4047949334"/>
+        <p14:creationId xmlns:p14="http://schemas.microsoft.com/office/powerpoint/2010/main" val="1535770421"/>
       </p:ext>
     </p:extLst>
   </p:cSld>
   <p:clrMapOvr>
     <a:masterClrMapping/>
   </p:clrMapOvr>
-  <p:timing>
-    <p:tnLst>
-      <p:par>
-        <p:cTn id="1" dur="indefinite" restart="never" nodeType="tmRoot"/>
-      </p:par>
-    </p:tnLst>
-  </p:timing>
 </p:sld>
 </file>
 
@@ -3511,7 +3942,13 @@
       </p:grpSpPr>
       <p:sp>
         <p:nvSpPr>
-          <p:cNvPr id="2" name="Title 1"/>
+          <p:cNvPr id="2" name="Title 1">
+            <a:extLst>
+              <a:ext uri="{FF2B5EF4-FFF2-40B4-BE49-F238E27FC236}">
+                <a16:creationId xmlns:a16="http://schemas.microsoft.com/office/drawing/2014/main" id="{A6293461-AB45-4C6F-A0B0-3C449D21D45F}"/>
+              </a:ext>
+            </a:extLst>
+          </p:cNvPr>
           <p:cNvSpPr>
             <a:spLocks noGrp="1"/>
           </p:cNvSpPr>
@@ -3521,7 +3958,7 @@
         </p:nvSpPr>
         <p:spPr>
           <a:xfrm>
-            <a:off x="1116330" y="418465"/>
+            <a:off x="214630" y="-175895"/>
             <a:ext cx="9959340" cy="1325563"/>
           </a:xfrm>
         </p:spPr>
@@ -3530,64 +3967,195 @@
           <a:lstStyle/>
           <a:p>
             <a:r>
-              <a:rPr lang="en-GB" dirty="0" smtClean="0">
-                <a:latin typeface="VCR OSD Mono" panose="02000609000000000000" pitchFamily="49" charset="0"/>
-              </a:rPr>
-              <a:t>Re-playability</a:t>
-            </a:r>
-            <a:endParaRPr lang="en-GB" dirty="0">
-              <a:latin typeface="VCR OSD Mono" panose="02000609000000000000" pitchFamily="49" charset="0"/>
-            </a:endParaRPr>
-          </a:p>
-        </p:txBody>
-      </p:sp>
-      <p:sp>
-        <p:nvSpPr>
-          <p:cNvPr id="3" name="Content Placeholder 2"/>
-          <p:cNvSpPr>
-            <a:spLocks noGrp="1"/>
-          </p:cNvSpPr>
-          <p:nvPr>
-            <p:ph idx="4294967295"/>
-          </p:nvPr>
-        </p:nvSpPr>
+              <a:rPr lang="en-GB" dirty="0"/>
+              <a:t>Animation</a:t>
+            </a:r>
+          </a:p>
+        </p:txBody>
+      </p:sp>
+      <p:pic>
+        <p:nvPicPr>
+          <p:cNvPr id="5" name="FPSsmearReload">
+            <a:hlinkClick r:id="" action="ppaction://media"/>
+            <a:extLst>
+              <a:ext uri="{FF2B5EF4-FFF2-40B4-BE49-F238E27FC236}">
+                <a16:creationId xmlns:a16="http://schemas.microsoft.com/office/drawing/2014/main" id="{3F06E949-CC4F-4ECC-9E3A-0CABEFB4C92A}"/>
+              </a:ext>
+            </a:extLst>
+          </p:cNvPr>
+          <p:cNvPicPr>
+            <a:picLocks noChangeAspect="1"/>
+          </p:cNvPicPr>
+          <p:nvPr>
+            <a:videoFile r:link="rId2"/>
+            <p:extLst>
+              <p:ext uri="{DAA4B4D4-6D71-4841-9C94-3DE7FCFB9230}">
+                <p14:media xmlns:p14="http://schemas.microsoft.com/office/powerpoint/2010/main" r:embed="rId1"/>
+              </p:ext>
+            </p:extLst>
+          </p:nvPr>
+        </p:nvPicPr>
+        <p:blipFill>
+          <a:blip r:embed="rId4"/>
+          <a:stretch>
+            <a:fillRect/>
+          </a:stretch>
+        </p:blipFill>
         <p:spPr>
           <a:xfrm>
-            <a:off x="1116330" y="1744028"/>
-            <a:ext cx="9795510" cy="4351338"/>
-          </a:xfrm>
-        </p:spPr>
-        <p:txBody>
-          <a:bodyPr/>
-          <a:lstStyle/>
-          <a:p>
-            <a:r>
-              <a:rPr lang="en-GB" dirty="0" smtClean="0"/>
-              <a:t>NOT Collectables</a:t>
-            </a:r>
-          </a:p>
-          <a:p>
-            <a:endParaRPr lang="en-GB" dirty="0"/>
-          </a:p>
-          <a:p>
-            <a:endParaRPr lang="en-GB" dirty="0" smtClean="0"/>
-          </a:p>
-          <a:p>
-            <a:endParaRPr lang="en-GB" dirty="0"/>
-          </a:p>
-          <a:p>
-            <a:r>
-              <a:rPr lang="en-GB" dirty="0" smtClean="0"/>
-              <a:t>Procedurally generated content</a:t>
-            </a:r>
-            <a:endParaRPr lang="en-GB" dirty="0"/>
-          </a:p>
-        </p:txBody>
-      </p:sp>
+            <a:off x="329946" y="1284732"/>
+            <a:ext cx="4545902" cy="4545902"/>
+          </a:xfrm>
+          <a:prstGeom prst="rect">
+            <a:avLst/>
+          </a:prstGeom>
+        </p:spPr>
+      </p:pic>
+      <p:pic>
+        <p:nvPicPr>
+          <p:cNvPr id="2050" name="Picture 2" descr="Image result for simpsons smears">
+            <a:extLst>
+              <a:ext uri="{FF2B5EF4-FFF2-40B4-BE49-F238E27FC236}">
+                <a16:creationId xmlns:a16="http://schemas.microsoft.com/office/drawing/2014/main" id="{20F6DE99-DBE3-455D-976F-CD61909B8295}"/>
+              </a:ext>
+            </a:extLst>
+          </p:cNvPr>
+          <p:cNvPicPr>
+            <a:picLocks noChangeAspect="1" noChangeArrowheads="1"/>
+          </p:cNvPicPr>
+          <p:nvPr/>
+        </p:nvPicPr>
+        <p:blipFill>
+          <a:blip r:embed="rId5">
+            <a:extLst>
+              <a:ext uri="{28A0092B-C50C-407E-A947-70E740481C1C}">
+                <a14:useLocalDpi xmlns:a14="http://schemas.microsoft.com/office/drawing/2010/main" val="0"/>
+              </a:ext>
+            </a:extLst>
+          </a:blip>
+          <a:srcRect/>
+          <a:stretch>
+            <a:fillRect/>
+          </a:stretch>
+        </p:blipFill>
+        <p:spPr bwMode="auto">
+          <a:xfrm>
+            <a:off x="6245352" y="255650"/>
+            <a:ext cx="5503332" cy="3095625"/>
+          </a:xfrm>
+          <a:prstGeom prst="rect">
+            <a:avLst/>
+          </a:prstGeom>
+          <a:noFill/>
+          <a:extLst>
+            <a:ext uri="{909E8E84-426E-40DD-AFC4-6F175D3DCCD1}">
+              <a14:hiddenFill xmlns:a14="http://schemas.microsoft.com/office/drawing/2010/main">
+                <a:solidFill>
+                  <a:srgbClr val="FFFFFF"/>
+                </a:solidFill>
+              </a14:hiddenFill>
+            </a:ext>
+          </a:extLst>
+        </p:spPr>
+      </p:pic>
+      <p:pic>
+        <p:nvPicPr>
+          <p:cNvPr id="2052" name="Picture 4" descr="Image result for simpsons smears">
+            <a:extLst>
+              <a:ext uri="{FF2B5EF4-FFF2-40B4-BE49-F238E27FC236}">
+                <a16:creationId xmlns:a16="http://schemas.microsoft.com/office/drawing/2014/main" id="{AAE90257-2F55-4A4E-8DE7-20594FB2F7B3}"/>
+              </a:ext>
+            </a:extLst>
+          </p:cNvPr>
+          <p:cNvPicPr>
+            <a:picLocks noChangeAspect="1" noChangeArrowheads="1"/>
+          </p:cNvPicPr>
+          <p:nvPr/>
+        </p:nvPicPr>
+        <p:blipFill>
+          <a:blip r:embed="rId6" cstate="print">
+            <a:extLst>
+              <a:ext uri="{28A0092B-C50C-407E-A947-70E740481C1C}">
+                <a14:useLocalDpi xmlns:a14="http://schemas.microsoft.com/office/drawing/2010/main" val="0"/>
+              </a:ext>
+            </a:extLst>
+          </a:blip>
+          <a:srcRect/>
+          <a:stretch>
+            <a:fillRect/>
+          </a:stretch>
+        </p:blipFill>
+        <p:spPr bwMode="auto">
+          <a:xfrm>
+            <a:off x="7993888" y="3978736"/>
+            <a:ext cx="3912270" cy="2202608"/>
+          </a:xfrm>
+          <a:prstGeom prst="rect">
+            <a:avLst/>
+          </a:prstGeom>
+          <a:noFill/>
+          <a:extLst>
+            <a:ext uri="{909E8E84-426E-40DD-AFC4-6F175D3DCCD1}">
+              <a14:hiddenFill xmlns:a14="http://schemas.microsoft.com/office/drawing/2010/main">
+                <a:solidFill>
+                  <a:srgbClr val="FFFFFF"/>
+                </a:solidFill>
+              </a14:hiddenFill>
+            </a:ext>
+          </a:extLst>
+        </p:spPr>
+      </p:pic>
+      <p:pic>
+        <p:nvPicPr>
+          <p:cNvPr id="2054" name="Picture 6" descr="Image result for animation smears">
+            <a:extLst>
+              <a:ext uri="{FF2B5EF4-FFF2-40B4-BE49-F238E27FC236}">
+                <a16:creationId xmlns:a16="http://schemas.microsoft.com/office/drawing/2014/main" id="{AD00BA0D-184C-4305-AA1E-D748CF347FB4}"/>
+              </a:ext>
+            </a:extLst>
+          </p:cNvPr>
+          <p:cNvPicPr>
+            <a:picLocks noChangeAspect="1" noChangeArrowheads="1"/>
+          </p:cNvPicPr>
+          <p:nvPr/>
+        </p:nvPicPr>
+        <p:blipFill>
+          <a:blip r:embed="rId7">
+            <a:extLst>
+              <a:ext uri="{28A0092B-C50C-407E-A947-70E740481C1C}">
+                <a14:useLocalDpi xmlns:a14="http://schemas.microsoft.com/office/drawing/2010/main" val="0"/>
+              </a:ext>
+            </a:extLst>
+          </a:blip>
+          <a:srcRect/>
+          <a:stretch>
+            <a:fillRect/>
+          </a:stretch>
+        </p:blipFill>
+        <p:spPr bwMode="auto">
+          <a:xfrm>
+            <a:off x="4502553" y="3697145"/>
+            <a:ext cx="3312265" cy="2484199"/>
+          </a:xfrm>
+          <a:prstGeom prst="rect">
+            <a:avLst/>
+          </a:prstGeom>
+          <a:noFill/>
+          <a:extLst>
+            <a:ext uri="{909E8E84-426E-40DD-AFC4-6F175D3DCCD1}">
+              <a14:hiddenFill xmlns:a14="http://schemas.microsoft.com/office/drawing/2010/main">
+                <a:solidFill>
+                  <a:srgbClr val="FFFFFF"/>
+                </a:solidFill>
+              </a14:hiddenFill>
+            </a:ext>
+          </a:extLst>
+        </p:spPr>
+      </p:pic>
     </p:spTree>
     <p:extLst>
       <p:ext uri="{BB962C8B-B14F-4D97-AF65-F5344CB8AC3E}">
-        <p14:creationId xmlns:p14="http://schemas.microsoft.com/office/powerpoint/2010/main" val="1933836695"/>
+        <p14:creationId xmlns:p14="http://schemas.microsoft.com/office/powerpoint/2010/main" val="2820047758"/>
       </p:ext>
     </p:extLst>
   </p:cSld>
@@ -3597,7 +4165,135 @@
   <p:timing>
     <p:tnLst>
       <p:par>
-        <p:cTn id="1" dur="indefinite" restart="never" nodeType="tmRoot"/>
+        <p:cTn id="1" dur="indefinite" restart="never" nodeType="tmRoot">
+          <p:childTnLst>
+            <p:seq concurrent="1" nextAc="seek">
+              <p:cTn id="2" dur="indefinite" nodeType="mainSeq">
+                <p:childTnLst>
+                  <p:par>
+                    <p:cTn id="3" fill="hold">
+                      <p:stCondLst>
+                        <p:cond delay="indefinite"/>
+                      </p:stCondLst>
+                      <p:childTnLst>
+                        <p:par>
+                          <p:cTn id="4" fill="hold">
+                            <p:stCondLst>
+                              <p:cond delay="0"/>
+                            </p:stCondLst>
+                            <p:childTnLst>
+                              <p:par>
+                                <p:cTn id="5" presetID="1" presetClass="mediacall" presetSubtype="0" fill="hold" nodeType="clickEffect">
+                                  <p:stCondLst>
+                                    <p:cond delay="0"/>
+                                  </p:stCondLst>
+                                  <p:childTnLst>
+                                    <p:cmd type="call" cmd="playFrom(0.0)">
+                                      <p:cBhvr>
+                                        <p:cTn id="6" dur="6240" fill="hold"/>
+                                        <p:tgtEl>
+                                          <p:spTgt spid="5"/>
+                                        </p:tgtEl>
+                                      </p:cBhvr>
+                                    </p:cmd>
+                                  </p:childTnLst>
+                                </p:cTn>
+                              </p:par>
+                            </p:childTnLst>
+                          </p:cTn>
+                        </p:par>
+                      </p:childTnLst>
+                    </p:cTn>
+                  </p:par>
+                </p:childTnLst>
+              </p:cTn>
+              <p:prevCondLst>
+                <p:cond evt="onPrev" delay="0">
+                  <p:tgtEl>
+                    <p:sldTgt/>
+                  </p:tgtEl>
+                </p:cond>
+              </p:prevCondLst>
+              <p:nextCondLst>
+                <p:cond evt="onNext" delay="0">
+                  <p:tgtEl>
+                    <p:sldTgt/>
+                  </p:tgtEl>
+                </p:cond>
+              </p:nextCondLst>
+            </p:seq>
+            <p:video>
+              <p:cMediaNode vol="80000">
+                <p:cTn id="7" fill="hold" display="0">
+                  <p:stCondLst>
+                    <p:cond delay="indefinite"/>
+                  </p:stCondLst>
+                </p:cTn>
+                <p:tgtEl>
+                  <p:spTgt spid="5"/>
+                </p:tgtEl>
+              </p:cMediaNode>
+            </p:video>
+            <p:seq concurrent="1" nextAc="seek">
+              <p:cTn id="8" restart="whenNotActive" fill="hold" evtFilter="cancelBubble" nodeType="interactiveSeq">
+                <p:stCondLst>
+                  <p:cond evt="onClick" delay="0">
+                    <p:tgtEl>
+                      <p:spTgt spid="5"/>
+                    </p:tgtEl>
+                  </p:cond>
+                </p:stCondLst>
+                <p:endSync evt="end" delay="0">
+                  <p:rtn val="all"/>
+                </p:endSync>
+                <p:childTnLst>
+                  <p:par>
+                    <p:cTn id="9" fill="hold">
+                      <p:stCondLst>
+                        <p:cond delay="0"/>
+                      </p:stCondLst>
+                      <p:childTnLst>
+                        <p:par>
+                          <p:cTn id="10" fill="hold">
+                            <p:stCondLst>
+                              <p:cond delay="0"/>
+                            </p:stCondLst>
+                            <p:childTnLst>
+                              <p:par>
+                                <p:cTn id="11" presetID="2" presetClass="mediacall" presetSubtype="0" fill="hold" nodeType="clickEffect">
+                                  <p:stCondLst>
+                                    <p:cond delay="0"/>
+                                  </p:stCondLst>
+                                  <p:childTnLst>
+                                    <p:cmd type="call" cmd="togglePause">
+                                      <p:cBhvr>
+                                        <p:cTn id="12" dur="1" fill="hold"/>
+                                        <p:tgtEl>
+                                          <p:spTgt spid="5"/>
+                                        </p:tgtEl>
+                                      </p:cBhvr>
+                                    </p:cmd>
+                                  </p:childTnLst>
+                                </p:cTn>
+                              </p:par>
+                            </p:childTnLst>
+                          </p:cTn>
+                        </p:par>
+                      </p:childTnLst>
+                    </p:cTn>
+                  </p:par>
+                </p:childTnLst>
+              </p:cTn>
+              <p:nextCondLst>
+                <p:cond evt="onClick" delay="0">
+                  <p:tgtEl>
+                    <p:spTgt spid="5"/>
+                  </p:tgtEl>
+                </p:cond>
+              </p:nextCondLst>
+            </p:seq>
+          </p:childTnLst>
+        </p:cTn>
       </p:par>
     </p:tnLst>
   </p:timing>
@@ -3642,108 +4338,55 @@
           <a:lstStyle/>
           <a:p>
             <a:r>
-              <a:rPr lang="en-GB" dirty="0" smtClean="0"/>
-              <a:t>WTF is game feel</a:t>
-            </a:r>
-            <a:endParaRPr lang="en-GB" dirty="0"/>
-          </a:p>
-        </p:txBody>
-      </p:sp>
-      <p:sp>
-        <p:nvSpPr>
-          <p:cNvPr id="3" name="Content Placeholder 2"/>
-          <p:cNvSpPr>
-            <a:spLocks noGrp="1"/>
-          </p:cNvSpPr>
-          <p:nvPr>
-            <p:ph idx="4294967295"/>
-          </p:nvPr>
-        </p:nvSpPr>
+              <a:rPr lang="en-GB" dirty="0"/>
+              <a:t>Spider man 2 and a demo </a:t>
+            </a:r>
+          </a:p>
+        </p:txBody>
+      </p:sp>
+      <p:pic>
+        <p:nvPicPr>
+          <p:cNvPr id="5" name="Online Media 4">
+            <a:hlinkClick r:id="" action="ppaction://media"/>
+            <a:extLst>
+              <a:ext uri="{FF2B5EF4-FFF2-40B4-BE49-F238E27FC236}">
+                <a16:creationId xmlns:a16="http://schemas.microsoft.com/office/drawing/2014/main" id="{DF9A2081-4D39-4CD3-873C-B49131DD0553}"/>
+              </a:ext>
+            </a:extLst>
+          </p:cNvPr>
+          <p:cNvPicPr>
+            <a:picLocks noRot="1" noChangeAspect="1"/>
+          </p:cNvPicPr>
+          <p:nvPr>
+            <a:videoFile r:link="rId1"/>
+          </p:nvPr>
+        </p:nvPicPr>
+        <p:blipFill>
+          <a:blip r:embed="rId3"/>
+          <a:stretch>
+            <a:fillRect/>
+          </a:stretch>
+        </p:blipFill>
         <p:spPr>
           <a:xfrm>
-            <a:off x="838200" y="1825625"/>
-            <a:ext cx="10515600" cy="4351338"/>
-          </a:xfrm>
-        </p:spPr>
-        <p:txBody>
-          <a:bodyPr>
-            <a:normAutofit/>
-          </a:bodyPr>
-          <a:lstStyle/>
-          <a:p>
-            <a:pPr marL="0" indent="0">
-              <a:buNone/>
-            </a:pPr>
-            <a:r>
-              <a:rPr lang="en-GB" dirty="0" smtClean="0"/>
-              <a:t>A virtual sensation </a:t>
-            </a:r>
-          </a:p>
-          <a:p>
-            <a:pPr marL="0" indent="0">
-              <a:buNone/>
-            </a:pPr>
-            <a:endParaRPr lang="en-GB" dirty="0"/>
-          </a:p>
-          <a:p>
-            <a:pPr marL="0" indent="0">
-              <a:buNone/>
-            </a:pPr>
-            <a:r>
-              <a:rPr lang="en-GB" dirty="0" smtClean="0"/>
-              <a:t>Game feel is apparent at a prototype stage</a:t>
-            </a:r>
-          </a:p>
-          <a:p>
-            <a:pPr marL="0" indent="0">
-              <a:buNone/>
-            </a:pPr>
-            <a:endParaRPr lang="en-GB" dirty="0"/>
-          </a:p>
-          <a:p>
-            <a:pPr marL="0" indent="0">
-              <a:buNone/>
-            </a:pPr>
-            <a:r>
-              <a:rPr lang="en-GB" dirty="0" smtClean="0"/>
-              <a:t>Animation (exaggeration, smears etc.) , sound effects</a:t>
-            </a:r>
-          </a:p>
-          <a:p>
-            <a:pPr marL="0" indent="0">
-              <a:buNone/>
-            </a:pPr>
-            <a:endParaRPr lang="en-GB" dirty="0"/>
-          </a:p>
-          <a:p>
-            <a:pPr marL="0" indent="0">
-              <a:buNone/>
-            </a:pPr>
-            <a:r>
-              <a:rPr lang="en-GB" dirty="0" smtClean="0"/>
-              <a:t>https://www.youtube.com/watch?v=pmSAG51BybY</a:t>
-            </a:r>
-            <a:endParaRPr lang="en-GB" dirty="0"/>
-          </a:p>
-        </p:txBody>
-      </p:sp>
+            <a:off x="2784856" y="1690688"/>
+            <a:ext cx="6876288" cy="3867912"/>
+          </a:xfrm>
+          <a:prstGeom prst="rect">
+            <a:avLst/>
+          </a:prstGeom>
+        </p:spPr>
+      </p:pic>
     </p:spTree>
     <p:extLst>
       <p:ext uri="{BB962C8B-B14F-4D97-AF65-F5344CB8AC3E}">
-        <p14:creationId xmlns:p14="http://schemas.microsoft.com/office/powerpoint/2010/main" val="1535770421"/>
+        <p14:creationId xmlns:p14="http://schemas.microsoft.com/office/powerpoint/2010/main" val="4214237854"/>
       </p:ext>
     </p:extLst>
   </p:cSld>
   <p:clrMapOvr>
     <a:masterClrMapping/>
   </p:clrMapOvr>
-  <p:timing>
-    <p:tnLst>
-      <p:par>
-        <p:cTn id="1" dur="indefinite" restart="never" nodeType="tmRoot"/>
-      </p:par>
-    </p:tnLst>
-  </p:timing>
 </p:sld>
 </file>
 
@@ -3785,10 +4428,9 @@
           <a:lstStyle/>
           <a:p>
             <a:r>
-              <a:rPr lang="en-GB" dirty="0" smtClean="0"/>
+              <a:rPr lang="en-GB" dirty="0"/>
               <a:t>Portal cubes</a:t>
             </a:r>
-            <a:endParaRPr lang="en-GB" dirty="0"/>
           </a:p>
         </p:txBody>
       </p:sp>
@@ -3813,10 +4455,9 @@
           <a:lstStyle/>
           <a:p>
             <a:r>
-              <a:rPr lang="en-GB" dirty="0" smtClean="0"/>
-              <a:t>Two videos here</a:t>
-            </a:r>
-            <a:endParaRPr lang="en-GB" dirty="0"/>
+              <a:rPr lang="en-GB" dirty="0"/>
+              <a:t>Record 2 videos from portal and Portal 2</a:t>
+            </a:r>
           </a:p>
         </p:txBody>
       </p:sp>
@@ -3830,13 +4471,6 @@
   <p:clrMapOvr>
     <a:masterClrMapping/>
   </p:clrMapOvr>
-  <p:timing>
-    <p:tnLst>
-      <p:par>
-        <p:cTn id="1" dur="indefinite" restart="never" nodeType="tmRoot"/>
-      </p:par>
-    </p:tnLst>
-  </p:timing>
 </p:sld>
 </file>
 
@@ -3878,76 +4512,126 @@
           <a:lstStyle/>
           <a:p>
             <a:r>
-              <a:rPr lang="en-GB" dirty="0" smtClean="0"/>
-              <a:t>Spider man 2 and a demo </a:t>
-            </a:r>
+              <a:rPr lang="en-GB" dirty="0"/>
+              <a:t>Controller and Control schemes</a:t>
+            </a:r>
+          </a:p>
+        </p:txBody>
+      </p:sp>
+      <p:sp>
+        <p:nvSpPr>
+          <p:cNvPr id="3" name="Content Placeholder 2"/>
+          <p:cNvSpPr>
+            <a:spLocks noGrp="1"/>
+          </p:cNvSpPr>
+          <p:nvPr>
+            <p:ph idx="4294967295"/>
+          </p:nvPr>
+        </p:nvSpPr>
+        <p:spPr>
+          <a:xfrm>
+            <a:off x="833628" y="1821053"/>
+            <a:ext cx="10515600" cy="4351338"/>
+          </a:xfrm>
+        </p:spPr>
+        <p:txBody>
+          <a:bodyPr/>
+          <a:lstStyle/>
+          <a:p>
+            <a:r>
+              <a:rPr lang="en-GB" dirty="0"/>
+              <a:t>Motions controls/Keyboard/controller/</a:t>
+            </a:r>
+            <a:r>
+              <a:rPr lang="en-GB" dirty="0" err="1"/>
+              <a:t>fightstick</a:t>
+            </a:r>
+            <a:r>
+              <a:rPr lang="en-GB" dirty="0"/>
+              <a:t>/</a:t>
+            </a:r>
+            <a:r>
+              <a:rPr lang="en-GB" dirty="0" err="1"/>
+              <a:t>ddr</a:t>
+            </a:r>
+            <a:r>
+              <a:rPr lang="en-GB" dirty="0"/>
+              <a:t> mat/VR</a:t>
+            </a:r>
+          </a:p>
+          <a:p>
+            <a:pPr marL="0" indent="0">
+              <a:buNone/>
+            </a:pPr>
             <a:endParaRPr lang="en-GB" dirty="0"/>
           </a:p>
-        </p:txBody>
-      </p:sp>
-      <p:sp>
-        <p:nvSpPr>
-          <p:cNvPr id="3" name="Rectangle 2"/>
-          <p:cNvSpPr/>
+          <a:p>
+            <a:r>
+              <a:rPr lang="en-GB" dirty="0" err="1"/>
+              <a:t>Dpad</a:t>
+            </a:r>
+            <a:r>
+              <a:rPr lang="en-GB" dirty="0"/>
+              <a:t> vs joystick</a:t>
+            </a:r>
+          </a:p>
+        </p:txBody>
+      </p:sp>
+      <p:pic>
+        <p:nvPicPr>
+          <p:cNvPr id="1026" name="Picture 2" descr="Related image">
+            <a:extLst>
+              <a:ext uri="{FF2B5EF4-FFF2-40B4-BE49-F238E27FC236}">
+                <a16:creationId xmlns:a16="http://schemas.microsoft.com/office/drawing/2014/main" id="{91D6A449-C1F8-4C71-B89D-B69018EFACDE}"/>
+              </a:ext>
+            </a:extLst>
+          </p:cNvPr>
+          <p:cNvPicPr>
+            <a:picLocks noChangeAspect="1" noChangeArrowheads="1"/>
+          </p:cNvPicPr>
           <p:nvPr/>
-        </p:nvSpPr>
-        <p:spPr>
-          <a:xfrm>
-            <a:off x="3634909" y="3244334"/>
-            <a:ext cx="4922181" cy="923330"/>
+        </p:nvPicPr>
+        <p:blipFill rotWithShape="1">
+          <a:blip r:embed="rId3">
+            <a:extLst>
+              <a:ext uri="{28A0092B-C50C-407E-A947-70E740481C1C}">
+                <a14:useLocalDpi xmlns:a14="http://schemas.microsoft.com/office/drawing/2010/main" val="0"/>
+              </a:ext>
+            </a:extLst>
+          </a:blip>
+          <a:srcRect t="14114" b="14038"/>
+          <a:stretch/>
+        </p:blipFill>
+        <p:spPr bwMode="auto">
+          <a:xfrm>
+            <a:off x="933069" y="3468184"/>
+            <a:ext cx="3945255" cy="2834572"/>
           </a:xfrm>
           <a:prstGeom prst="rect">
             <a:avLst/>
           </a:prstGeom>
-        </p:spPr>
-        <p:txBody>
-          <a:bodyPr wrap="none">
-            <a:spAutoFit/>
-          </a:bodyPr>
-          <a:lstStyle/>
-          <a:p>
-            <a:r>
-              <a:rPr lang="en-GB" dirty="0">
-                <a:hlinkClick r:id="rId2"/>
-              </a:rPr>
-              <a:t>https://</a:t>
-            </a:r>
-            <a:r>
-              <a:rPr lang="en-GB" dirty="0" smtClean="0">
-                <a:hlinkClick r:id="rId2"/>
-              </a:rPr>
-              <a:t>www.youtube.com/watch?v=maJFka6Rx68</a:t>
-            </a:r>
-            <a:endParaRPr lang="en-GB" dirty="0" smtClean="0"/>
-          </a:p>
-          <a:p>
-            <a:endParaRPr lang="en-GB" dirty="0"/>
-          </a:p>
-          <a:p>
-            <a:r>
-              <a:rPr lang="en-GB" dirty="0" smtClean="0"/>
-              <a:t>5:55 onwards</a:t>
-            </a:r>
-          </a:p>
-        </p:txBody>
-      </p:sp>
+          <a:noFill/>
+          <a:extLst>
+            <a:ext uri="{909E8E84-426E-40DD-AFC4-6F175D3DCCD1}">
+              <a14:hiddenFill xmlns:a14="http://schemas.microsoft.com/office/drawing/2010/main">
+                <a:solidFill>
+                  <a:srgbClr val="FFFFFF"/>
+                </a:solidFill>
+              </a14:hiddenFill>
+            </a:ext>
+          </a:extLst>
+        </p:spPr>
+      </p:pic>
     </p:spTree>
     <p:extLst>
       <p:ext uri="{BB962C8B-B14F-4D97-AF65-F5344CB8AC3E}">
-        <p14:creationId xmlns:p14="http://schemas.microsoft.com/office/powerpoint/2010/main" val="4214237854"/>
+        <p14:creationId xmlns:p14="http://schemas.microsoft.com/office/powerpoint/2010/main" val="3466308704"/>
       </p:ext>
     </p:extLst>
   </p:cSld>
   <p:clrMapOvr>
     <a:masterClrMapping/>
   </p:clrMapOvr>
-  <p:timing>
-    <p:tnLst>
-      <p:par>
-        <p:cTn id="1" dur="indefinite" restart="never" nodeType="tmRoot"/>
-      </p:par>
-    </p:tnLst>
-  </p:timing>
 </p:sld>
 </file>
 
@@ -3985,144 +4669,15 @@
           </a:xfrm>
         </p:spPr>
         <p:txBody>
-          <a:bodyPr/>
-          <a:lstStyle/>
-          <a:p>
-            <a:r>
-              <a:rPr lang="en-GB" dirty="0" smtClean="0"/>
-              <a:t>Control schemes</a:t>
-            </a:r>
-            <a:endParaRPr lang="en-GB" dirty="0"/>
-          </a:p>
-        </p:txBody>
-      </p:sp>
-      <p:sp>
-        <p:nvSpPr>
-          <p:cNvPr id="3" name="Content Placeholder 2"/>
-          <p:cNvSpPr>
-            <a:spLocks noGrp="1"/>
-          </p:cNvSpPr>
-          <p:nvPr>
-            <p:ph idx="4294967295"/>
-          </p:nvPr>
-        </p:nvSpPr>
-        <p:spPr>
-          <a:xfrm>
-            <a:off x="838200" y="1825625"/>
-            <a:ext cx="10515600" cy="4351338"/>
-          </a:xfrm>
-        </p:spPr>
-        <p:txBody>
-          <a:bodyPr/>
-          <a:lstStyle/>
-          <a:p>
-            <a:r>
-              <a:rPr lang="en-GB" dirty="0" smtClean="0"/>
-              <a:t>Motions controls/Keyboard/controller/</a:t>
-            </a:r>
-            <a:r>
-              <a:rPr lang="en-GB" dirty="0" err="1" smtClean="0"/>
-              <a:t>fightstick</a:t>
-            </a:r>
-            <a:r>
-              <a:rPr lang="en-GB" dirty="0" smtClean="0"/>
-              <a:t>/</a:t>
-            </a:r>
-            <a:r>
-              <a:rPr lang="en-GB" dirty="0" err="1" smtClean="0"/>
-              <a:t>ddr</a:t>
-            </a:r>
-            <a:r>
-              <a:rPr lang="en-GB" dirty="0" smtClean="0"/>
-              <a:t> mat</a:t>
-            </a:r>
-          </a:p>
-          <a:p>
-            <a:endParaRPr lang="en-GB" dirty="0"/>
-          </a:p>
-          <a:p>
-            <a:pPr marL="0" indent="0">
-              <a:buNone/>
-            </a:pPr>
-            <a:endParaRPr lang="en-GB" dirty="0" smtClean="0"/>
-          </a:p>
-          <a:p>
-            <a:r>
-              <a:rPr lang="en-GB" dirty="0" err="1" smtClean="0"/>
-              <a:t>Dpad</a:t>
-            </a:r>
-            <a:r>
-              <a:rPr lang="en-GB" dirty="0" smtClean="0"/>
-              <a:t> vs joystick</a:t>
-            </a:r>
-            <a:endParaRPr lang="en-GB" dirty="0"/>
-          </a:p>
-        </p:txBody>
-      </p:sp>
-    </p:spTree>
-    <p:extLst>
-      <p:ext uri="{BB962C8B-B14F-4D97-AF65-F5344CB8AC3E}">
-        <p14:creationId xmlns:p14="http://schemas.microsoft.com/office/powerpoint/2010/main" val="3466308704"/>
-      </p:ext>
-    </p:extLst>
-  </p:cSld>
-  <p:clrMapOvr>
-    <a:masterClrMapping/>
-  </p:clrMapOvr>
-  <p:timing>
-    <p:tnLst>
-      <p:par>
-        <p:cTn id="1" dur="indefinite" restart="never" nodeType="tmRoot"/>
-      </p:par>
-    </p:tnLst>
-  </p:timing>
-</p:sld>
-</file>
-
-<file path=ppt/slides/slide9.xml><?xml version="1.0" encoding="utf-8"?>
-<p:sld xmlns:a="http://schemas.openxmlformats.org/drawingml/2006/main" xmlns:r="http://schemas.openxmlformats.org/officeDocument/2006/relationships" xmlns:p="http://schemas.openxmlformats.org/presentationml/2006/main">
-  <p:cSld>
-    <p:spTree>
-      <p:nvGrpSpPr>
-        <p:cNvPr id="1" name=""/>
-        <p:cNvGrpSpPr/>
-        <p:nvPr/>
-      </p:nvGrpSpPr>
-      <p:grpSpPr>
-        <a:xfrm>
-          <a:off x="0" y="0"/>
-          <a:ext cx="0" cy="0"/>
-          <a:chOff x="0" y="0"/>
-          <a:chExt cx="0" cy="0"/>
-        </a:xfrm>
-      </p:grpSpPr>
-      <p:sp>
-        <p:nvSpPr>
-          <p:cNvPr id="2" name="Title 1"/>
-          <p:cNvSpPr>
-            <a:spLocks noGrp="1"/>
-          </p:cNvSpPr>
-          <p:nvPr>
-            <p:ph type="title"/>
-          </p:nvPr>
-        </p:nvSpPr>
-        <p:spPr>
-          <a:xfrm>
-            <a:off x="838200" y="365125"/>
-            <a:ext cx="10515600" cy="1325563"/>
-          </a:xfrm>
-        </p:spPr>
-        <p:txBody>
           <a:bodyPr>
             <a:normAutofit/>
           </a:bodyPr>
           <a:lstStyle/>
           <a:p>
             <a:r>
-              <a:rPr lang="en-GB" dirty="0" smtClean="0"/>
-              <a:t>Etc. Detroit: Become human revolution option (motion controls)</a:t>
-            </a:r>
-            <a:endParaRPr lang="en-GB" dirty="0"/>
+              <a:rPr lang="en-GB" dirty="0"/>
+              <a:t>Etc. Detroit: Become human revolution options (motion controls)</a:t>
+            </a:r>
           </a:p>
         </p:txBody>
       </p:sp>
@@ -4163,13 +4718,6 @@
   <p:clrMapOvr>
     <a:masterClrMapping/>
   </p:clrMapOvr>
-  <p:timing>
-    <p:tnLst>
-      <p:par>
-        <p:cTn id="1" dur="indefinite" restart="never" nodeType="tmRoot"/>
-      </p:par>
-    </p:tnLst>
-  </p:timing>
 </p:sld>
 </file>
 
@@ -4451,6 +4999,301 @@
         <a:srgbClr val="E7E6E6"/>
       </a:lt2>
       <a:accent1>
+        <a:srgbClr val="4472C4"/>
+      </a:accent1>
+      <a:accent2>
+        <a:srgbClr val="ED7D31"/>
+      </a:accent2>
+      <a:accent3>
+        <a:srgbClr val="A5A5A5"/>
+      </a:accent3>
+      <a:accent4>
+        <a:srgbClr val="FFC000"/>
+      </a:accent4>
+      <a:accent5>
+        <a:srgbClr val="5B9BD5"/>
+      </a:accent5>
+      <a:accent6>
+        <a:srgbClr val="70AD47"/>
+      </a:accent6>
+      <a:hlink>
+        <a:srgbClr val="0563C1"/>
+      </a:hlink>
+      <a:folHlink>
+        <a:srgbClr val="954F72"/>
+      </a:folHlink>
+    </a:clrScheme>
+    <a:fontScheme name="Office">
+      <a:majorFont>
+        <a:latin typeface="Calibri Light" panose="020F0302020204030204"/>
+        <a:ea typeface=""/>
+        <a:cs typeface=""/>
+        <a:font script="Jpan" typeface="游ゴシック Light"/>
+        <a:font script="Hang" typeface="맑은 고딕"/>
+        <a:font script="Hans" typeface="等线 Light"/>
+        <a:font script="Hant" typeface="新細明體"/>
+        <a:font script="Arab" typeface="Times New Roman"/>
+        <a:font script="Hebr" typeface="Times New Roman"/>
+        <a:font script="Thai" typeface="Angsana New"/>
+        <a:font script="Ethi" typeface="Nyala"/>
+        <a:font script="Beng" typeface="Vrinda"/>
+        <a:font script="Gujr" typeface="Shruti"/>
+        <a:font script="Khmr" typeface="MoolBoran"/>
+        <a:font script="Knda" typeface="Tunga"/>
+        <a:font script="Guru" typeface="Raavi"/>
+        <a:font script="Cans" typeface="Euphemia"/>
+        <a:font script="Cher" typeface="Plantagenet Cherokee"/>
+        <a:font script="Yiii" typeface="Microsoft Yi Baiti"/>
+        <a:font script="Tibt" typeface="Microsoft Himalaya"/>
+        <a:font script="Thaa" typeface="MV Boli"/>
+        <a:font script="Deva" typeface="Mangal"/>
+        <a:font script="Telu" typeface="Gautami"/>
+        <a:font script="Taml" typeface="Latha"/>
+        <a:font script="Syrc" typeface="Estrangelo Edessa"/>
+        <a:font script="Orya" typeface="Kalinga"/>
+        <a:font script="Mlym" typeface="Kartika"/>
+        <a:font script="Laoo" typeface="DokChampa"/>
+        <a:font script="Sinh" typeface="Iskoola Pota"/>
+        <a:font script="Mong" typeface="Mongolian Baiti"/>
+        <a:font script="Viet" typeface="Times New Roman"/>
+        <a:font script="Uigh" typeface="Microsoft Uighur"/>
+        <a:font script="Geor" typeface="Sylfaen"/>
+        <a:font script="Armn" typeface="Arial"/>
+        <a:font script="Bugi" typeface="Leelawadee UI"/>
+        <a:font script="Bopo" typeface="Microsoft JhengHei"/>
+        <a:font script="Java" typeface="Javanese Text"/>
+        <a:font script="Lisu" typeface="Segoe UI"/>
+        <a:font script="Mymr" typeface="Myanmar Text"/>
+        <a:font script="Nkoo" typeface="Ebrima"/>
+        <a:font script="Olck" typeface="Nirmala UI"/>
+        <a:font script="Osma" typeface="Ebrima"/>
+        <a:font script="Phag" typeface="Phagspa"/>
+        <a:font script="Syrn" typeface="Estrangelo Edessa"/>
+        <a:font script="Syrj" typeface="Estrangelo Edessa"/>
+        <a:font script="Syre" typeface="Estrangelo Edessa"/>
+        <a:font script="Sora" typeface="Nirmala UI"/>
+        <a:font script="Tale" typeface="Microsoft Tai Le"/>
+        <a:font script="Talu" typeface="Microsoft New Tai Lue"/>
+        <a:font script="Tfng" typeface="Ebrima"/>
+      </a:majorFont>
+      <a:minorFont>
+        <a:latin typeface="Calibri" panose="020F0502020204030204"/>
+        <a:ea typeface=""/>
+        <a:cs typeface=""/>
+        <a:font script="Jpan" typeface="游ゴシック"/>
+        <a:font script="Hang" typeface="맑은 고딕"/>
+        <a:font script="Hans" typeface="等线"/>
+        <a:font script="Hant" typeface="新細明體"/>
+        <a:font script="Arab" typeface="Arial"/>
+        <a:font script="Hebr" typeface="Arial"/>
+        <a:font script="Thai" typeface="Cordia New"/>
+        <a:font script="Ethi" typeface="Nyala"/>
+        <a:font script="Beng" typeface="Vrinda"/>
+        <a:font script="Gujr" typeface="Shruti"/>
+        <a:font script="Khmr" typeface="DaunPenh"/>
+        <a:font script="Knda" typeface="Tunga"/>
+        <a:font script="Guru" typeface="Raavi"/>
+        <a:font script="Cans" typeface="Euphemia"/>
+        <a:font script="Cher" typeface="Plantagenet Cherokee"/>
+        <a:font script="Yiii" typeface="Microsoft Yi Baiti"/>
+        <a:font script="Tibt" typeface="Microsoft Himalaya"/>
+        <a:font script="Thaa" typeface="MV Boli"/>
+        <a:font script="Deva" typeface="Mangal"/>
+        <a:font script="Telu" typeface="Gautami"/>
+        <a:font script="Taml" typeface="Latha"/>
+        <a:font script="Syrc" typeface="Estrangelo Edessa"/>
+        <a:font script="Orya" typeface="Kalinga"/>
+        <a:font script="Mlym" typeface="Kartika"/>
+        <a:font script="Laoo" typeface="DokChampa"/>
+        <a:font script="Sinh" typeface="Iskoola Pota"/>
+        <a:font script="Mong" typeface="Mongolian Baiti"/>
+        <a:font script="Viet" typeface="Arial"/>
+        <a:font script="Uigh" typeface="Microsoft Uighur"/>
+        <a:font script="Geor" typeface="Sylfaen"/>
+        <a:font script="Armn" typeface="Arial"/>
+        <a:font script="Bugi" typeface="Leelawadee UI"/>
+        <a:font script="Bopo" typeface="Microsoft JhengHei"/>
+        <a:font script="Java" typeface="Javanese Text"/>
+        <a:font script="Lisu" typeface="Segoe UI"/>
+        <a:font script="Mymr" typeface="Myanmar Text"/>
+        <a:font script="Nkoo" typeface="Ebrima"/>
+        <a:font script="Olck" typeface="Nirmala UI"/>
+        <a:font script="Osma" typeface="Ebrima"/>
+        <a:font script="Phag" typeface="Phagspa"/>
+        <a:font script="Syrn" typeface="Estrangelo Edessa"/>
+        <a:font script="Syrj" typeface="Estrangelo Edessa"/>
+        <a:font script="Syre" typeface="Estrangelo Edessa"/>
+        <a:font script="Sora" typeface="Nirmala UI"/>
+        <a:font script="Tale" typeface="Microsoft Tai Le"/>
+        <a:font script="Talu" typeface="Microsoft New Tai Lue"/>
+        <a:font script="Tfng" typeface="Ebrima"/>
+      </a:minorFont>
+    </a:fontScheme>
+    <a:fmtScheme name="Office">
+      <a:fillStyleLst>
+        <a:solidFill>
+          <a:schemeClr val="phClr"/>
+        </a:solidFill>
+        <a:gradFill rotWithShape="1">
+          <a:gsLst>
+            <a:gs pos="0">
+              <a:schemeClr val="phClr">
+                <a:lumMod val="110000"/>
+                <a:satMod val="105000"/>
+                <a:tint val="67000"/>
+              </a:schemeClr>
+            </a:gs>
+            <a:gs pos="50000">
+              <a:schemeClr val="phClr">
+                <a:lumMod val="105000"/>
+                <a:satMod val="103000"/>
+                <a:tint val="73000"/>
+              </a:schemeClr>
+            </a:gs>
+            <a:gs pos="100000">
+              <a:schemeClr val="phClr">
+                <a:lumMod val="105000"/>
+                <a:satMod val="109000"/>
+                <a:tint val="81000"/>
+              </a:schemeClr>
+            </a:gs>
+          </a:gsLst>
+          <a:lin ang="5400000" scaled="0"/>
+        </a:gradFill>
+        <a:gradFill rotWithShape="1">
+          <a:gsLst>
+            <a:gs pos="0">
+              <a:schemeClr val="phClr">
+                <a:satMod val="103000"/>
+                <a:lumMod val="102000"/>
+                <a:tint val="94000"/>
+              </a:schemeClr>
+            </a:gs>
+            <a:gs pos="50000">
+              <a:schemeClr val="phClr">
+                <a:satMod val="110000"/>
+                <a:lumMod val="100000"/>
+                <a:shade val="100000"/>
+              </a:schemeClr>
+            </a:gs>
+            <a:gs pos="100000">
+              <a:schemeClr val="phClr">
+                <a:lumMod val="99000"/>
+                <a:satMod val="120000"/>
+                <a:shade val="78000"/>
+              </a:schemeClr>
+            </a:gs>
+          </a:gsLst>
+          <a:lin ang="5400000" scaled="0"/>
+        </a:gradFill>
+      </a:fillStyleLst>
+      <a:lnStyleLst>
+        <a:ln w="6350" cap="flat" cmpd="sng" algn="ctr">
+          <a:solidFill>
+            <a:schemeClr val="phClr"/>
+          </a:solidFill>
+          <a:prstDash val="solid"/>
+          <a:miter lim="800000"/>
+        </a:ln>
+        <a:ln w="12700" cap="flat" cmpd="sng" algn="ctr">
+          <a:solidFill>
+            <a:schemeClr val="phClr"/>
+          </a:solidFill>
+          <a:prstDash val="solid"/>
+          <a:miter lim="800000"/>
+        </a:ln>
+        <a:ln w="19050" cap="flat" cmpd="sng" algn="ctr">
+          <a:solidFill>
+            <a:schemeClr val="phClr"/>
+          </a:solidFill>
+          <a:prstDash val="solid"/>
+          <a:miter lim="800000"/>
+        </a:ln>
+      </a:lnStyleLst>
+      <a:effectStyleLst>
+        <a:effectStyle>
+          <a:effectLst/>
+        </a:effectStyle>
+        <a:effectStyle>
+          <a:effectLst/>
+        </a:effectStyle>
+        <a:effectStyle>
+          <a:effectLst>
+            <a:outerShdw blurRad="57150" dist="19050" dir="5400000" algn="ctr" rotWithShape="0">
+              <a:srgbClr val="000000">
+                <a:alpha val="63000"/>
+              </a:srgbClr>
+            </a:outerShdw>
+          </a:effectLst>
+        </a:effectStyle>
+      </a:effectStyleLst>
+      <a:bgFillStyleLst>
+        <a:solidFill>
+          <a:schemeClr val="phClr"/>
+        </a:solidFill>
+        <a:solidFill>
+          <a:schemeClr val="phClr">
+            <a:tint val="95000"/>
+            <a:satMod val="170000"/>
+          </a:schemeClr>
+        </a:solidFill>
+        <a:gradFill rotWithShape="1">
+          <a:gsLst>
+            <a:gs pos="0">
+              <a:schemeClr val="phClr">
+                <a:tint val="93000"/>
+                <a:satMod val="150000"/>
+                <a:shade val="98000"/>
+                <a:lumMod val="102000"/>
+              </a:schemeClr>
+            </a:gs>
+            <a:gs pos="50000">
+              <a:schemeClr val="phClr">
+                <a:tint val="98000"/>
+                <a:satMod val="130000"/>
+                <a:shade val="90000"/>
+                <a:lumMod val="103000"/>
+              </a:schemeClr>
+            </a:gs>
+            <a:gs pos="100000">
+              <a:schemeClr val="phClr">
+                <a:shade val="63000"/>
+                <a:satMod val="120000"/>
+              </a:schemeClr>
+            </a:gs>
+          </a:gsLst>
+          <a:lin ang="5400000" scaled="0"/>
+        </a:gradFill>
+      </a:bgFillStyleLst>
+    </a:fmtScheme>
+  </a:themeElements>
+  <a:objectDefaults/>
+  <a:extraClrSchemeLst/>
+  <a:extLst>
+    <a:ext uri="{05A4C25C-085E-4340-85A3-A5531E510DB2}">
+      <thm15:themeFamily xmlns:thm15="http://schemas.microsoft.com/office/thememl/2012/main" name="Office Theme" id="{62F939B6-93AF-4DB8-9C6B-D6C7DFDC589F}" vid="{4A3C46E8-61CC-4603-A589-7422A47A8E4A}"/>
+    </a:ext>
+  </a:extLst>
+</a:theme>
+</file>
+
+<file path=ppt/theme/theme3.xml><?xml version="1.0" encoding="utf-8"?>
+<a:theme xmlns:a="http://schemas.openxmlformats.org/drawingml/2006/main" name="Office Theme">
+  <a:themeElements>
+    <a:clrScheme name="Office">
+      <a:dk1>
+        <a:sysClr val="windowText" lastClr="000000"/>
+      </a:dk1>
+      <a:lt1>
+        <a:sysClr val="window" lastClr="FFFFFF"/>
+      </a:lt1>
+      <a:dk2>
+        <a:srgbClr val="44546A"/>
+      </a:dk2>
+      <a:lt2>
+        <a:srgbClr val="E7E6E6"/>
+      </a:lt2>
+      <a:accent1>
         <a:srgbClr val="5B9BD5"/>
       </a:accent1>
       <a:accent2>

--- a/GameDev1.pptx
+++ b/GameDev1.pptx
@@ -5,10 +5,10 @@
     <p:sldMasterId id="2147483929" r:id="rId1"/>
   </p:sldMasterIdLst>
   <p:notesMasterIdLst>
-    <p:notesMasterId r:id="rId10"/>
+    <p:notesMasterId r:id="rId9"/>
   </p:notesMasterIdLst>
   <p:handoutMasterIdLst>
-    <p:handoutMasterId r:id="rId11"/>
+    <p:handoutMasterId r:id="rId10"/>
   </p:handoutMasterIdLst>
   <p:sldIdLst>
     <p:sldId id="256" r:id="rId2"/>
@@ -18,7 +18,6 @@
     <p:sldId id="259" r:id="rId6"/>
     <p:sldId id="263" r:id="rId7"/>
     <p:sldId id="261" r:id="rId8"/>
-    <p:sldId id="260" r:id="rId9"/>
   </p:sldIdLst>
   <p:sldSz cx="12192000" cy="6858000"/>
   <p:notesSz cx="6858000" cy="9144000"/>
@@ -4626,92 +4625,6 @@
     <p:extLst>
       <p:ext uri="{BB962C8B-B14F-4D97-AF65-F5344CB8AC3E}">
         <p14:creationId xmlns:p14="http://schemas.microsoft.com/office/powerpoint/2010/main" val="3466308704"/>
-      </p:ext>
-    </p:extLst>
-  </p:cSld>
-  <p:clrMapOvr>
-    <a:masterClrMapping/>
-  </p:clrMapOvr>
-</p:sld>
-</file>
-
-<file path=ppt/slides/slide8.xml><?xml version="1.0" encoding="utf-8"?>
-<p:sld xmlns:a="http://schemas.openxmlformats.org/drawingml/2006/main" xmlns:r="http://schemas.openxmlformats.org/officeDocument/2006/relationships" xmlns:p="http://schemas.openxmlformats.org/presentationml/2006/main">
-  <p:cSld>
-    <p:spTree>
-      <p:nvGrpSpPr>
-        <p:cNvPr id="1" name=""/>
-        <p:cNvGrpSpPr/>
-        <p:nvPr/>
-      </p:nvGrpSpPr>
-      <p:grpSpPr>
-        <a:xfrm>
-          <a:off x="0" y="0"/>
-          <a:ext cx="0" cy="0"/>
-          <a:chOff x="0" y="0"/>
-          <a:chExt cx="0" cy="0"/>
-        </a:xfrm>
-      </p:grpSpPr>
-      <p:sp>
-        <p:nvSpPr>
-          <p:cNvPr id="2" name="Title 1"/>
-          <p:cNvSpPr>
-            <a:spLocks noGrp="1"/>
-          </p:cNvSpPr>
-          <p:nvPr>
-            <p:ph type="title"/>
-          </p:nvPr>
-        </p:nvSpPr>
-        <p:spPr>
-          <a:xfrm>
-            <a:off x="838200" y="365125"/>
-            <a:ext cx="10515600" cy="1325563"/>
-          </a:xfrm>
-        </p:spPr>
-        <p:txBody>
-          <a:bodyPr>
-            <a:normAutofit/>
-          </a:bodyPr>
-          <a:lstStyle/>
-          <a:p>
-            <a:r>
-              <a:rPr lang="en-GB" dirty="0"/>
-              <a:t>Etc. Detroit: Become human revolution options (motion controls)</a:t>
-            </a:r>
-          </a:p>
-        </p:txBody>
-      </p:sp>
-      <p:sp>
-        <p:nvSpPr>
-          <p:cNvPr id="3" name="Content Placeholder 2"/>
-          <p:cNvSpPr>
-            <a:spLocks noGrp="1"/>
-          </p:cNvSpPr>
-          <p:nvPr>
-            <p:ph idx="4294967295"/>
-          </p:nvPr>
-        </p:nvSpPr>
-        <p:spPr>
-          <a:xfrm>
-            <a:off x="838200" y="1825625"/>
-            <a:ext cx="10515600" cy="4351338"/>
-          </a:xfrm>
-        </p:spPr>
-        <p:txBody>
-          <a:bodyPr/>
-          <a:lstStyle/>
-          <a:p>
-            <a:pPr marL="0" indent="0">
-              <a:buNone/>
-            </a:pPr>
-            <a:endParaRPr lang="en-GB" dirty="0"/>
-          </a:p>
-        </p:txBody>
-      </p:sp>
-    </p:spTree>
-    <p:extLst>
-      <p:ext uri="{BB962C8B-B14F-4D97-AF65-F5344CB8AC3E}">
-        <p14:creationId xmlns:p14="http://schemas.microsoft.com/office/powerpoint/2010/main" val="453832866"/>
       </p:ext>
     </p:extLst>
   </p:cSld>
